--- a/HelloDocumentDB/Slides/DocumentDBIntro.pptx
+++ b/HelloDocumentDB/Slides/DocumentDBIntro.pptx
@@ -5,10 +5,10 @@
     <p:sldMasterId id="2147483648" r:id="rId4"/>
   </p:sldMasterIdLst>
   <p:notesMasterIdLst>
-    <p:notesMasterId r:id="rId18"/>
+    <p:notesMasterId r:id="rId19"/>
   </p:notesMasterIdLst>
   <p:handoutMasterIdLst>
-    <p:handoutMasterId r:id="rId19"/>
+    <p:handoutMasterId r:id="rId20"/>
   </p:handoutMasterIdLst>
   <p:sldIdLst>
     <p:sldId id="377" r:id="rId5"/>
@@ -17,13 +17,14 @@
     <p:sldId id="394" r:id="rId8"/>
     <p:sldId id="395" r:id="rId9"/>
     <p:sldId id="396" r:id="rId10"/>
-    <p:sldId id="397" r:id="rId11"/>
-    <p:sldId id="399" r:id="rId12"/>
-    <p:sldId id="398" r:id="rId13"/>
-    <p:sldId id="400" r:id="rId14"/>
-    <p:sldId id="362" r:id="rId15"/>
-    <p:sldId id="390" r:id="rId16"/>
-    <p:sldId id="391" r:id="rId17"/>
+    <p:sldId id="401" r:id="rId11"/>
+    <p:sldId id="397" r:id="rId12"/>
+    <p:sldId id="399" r:id="rId13"/>
+    <p:sldId id="398" r:id="rId14"/>
+    <p:sldId id="400" r:id="rId15"/>
+    <p:sldId id="362" r:id="rId16"/>
+    <p:sldId id="390" r:id="rId17"/>
+    <p:sldId id="391" r:id="rId18"/>
   </p:sldIdLst>
   <p:sldSz cx="9144000" cy="5143500" type="screen16x9"/>
   <p:notesSz cx="6858000" cy="9144000"/>
@@ -237,7 +238,7 @@
           <a:p>
             <a:fld id="{D3FDC4BA-F62C-46A2-87C1-2103180CFF88}" type="datetimeFigureOut">
               <a:rPr lang="de-AT" smtClean="0"/>
-              <a:t>03.12.2014</a:t>
+              <a:t>04.12.2014</a:t>
             </a:fld>
             <a:endParaRPr lang="de-AT"/>
           </a:p>
@@ -403,7 +404,7 @@
             <a:fld id="{3612A09C-9A01-4873-9E29-1DA9CA5B5B01}" type="datetimeFigureOut">
               <a:rPr lang="de-DE" smtClean="0"/>
               <a:pPr/>
-              <a:t>03.12.2014</a:t>
+              <a:t>04.12.2014</a:t>
             </a:fld>
             <a:endParaRPr lang="de-AT"/>
           </a:p>
@@ -5493,23 +5494,7 @@
                 <a:ea typeface="ＭＳ Ｐゴシック" charset="0"/>
                 <a:cs typeface="Segoe UI Semilight" panose="020B0402040204020203" pitchFamily="34" charset="0"/>
               </a:rPr>
-              <a:t>. After the trial period you can use                       for only 0,20€ per user and </a:t>
-            </a:r>
-            <a:r>
-              <a:rPr lang="en-US" sz="1800" dirty="0" smtClean="0">
-                <a:latin typeface="Segoe UI Semilight" panose="020B0402040204020203" pitchFamily="34" charset="0"/>
-                <a:ea typeface="ＭＳ Ｐゴシック" charset="0"/>
-                <a:cs typeface="Segoe UI Semilight" panose="020B0402040204020203" pitchFamily="34" charset="0"/>
-              </a:rPr>
-              <a:t>day without </a:t>
-            </a:r>
-            <a:r>
-              <a:rPr lang="en-US" sz="1800" dirty="0" smtClean="0">
-                <a:latin typeface="Segoe UI Semilight" panose="020B0402040204020203" pitchFamily="34" charset="0"/>
-                <a:ea typeface="ＭＳ Ｐゴシック" charset="0"/>
-                <a:cs typeface="Segoe UI Semilight" panose="020B0402040204020203" pitchFamily="34" charset="0"/>
-              </a:rPr>
-              <a:t>a minimal subscription time and without a minimal number of users.</a:t>
+              <a:t>. After the trial period you can use                       for only 0,20€ per user and day without a minimal subscription time and without a minimal number of users.</a:t>
             </a:r>
             <a:endParaRPr lang="en-US" dirty="0">
               <a:latin typeface="Segoe UI Semilight" panose="020B0402040204020203" pitchFamily="34" charset="0"/>
@@ -12125,6 +12110,417 @@
 </file>
 
 <file path=ppt/slides/slide10.xml><?xml version="1.0" encoding="utf-8"?>
+<p:sld xmlns:a="http://schemas.openxmlformats.org/drawingml/2006/main" xmlns:r="http://schemas.openxmlformats.org/officeDocument/2006/relationships" xmlns:p="http://schemas.openxmlformats.org/presentationml/2006/main" show="0">
+  <p:cSld>
+    <p:spTree>
+      <p:nvGrpSpPr>
+        <p:cNvPr id="1" name=""/>
+        <p:cNvGrpSpPr/>
+        <p:nvPr/>
+      </p:nvGrpSpPr>
+      <p:grpSpPr>
+        <a:xfrm>
+          <a:off x="0" y="0"/>
+          <a:ext cx="0" cy="0"/>
+          <a:chOff x="0" y="0"/>
+          <a:chExt cx="0" cy="0"/>
+        </a:xfrm>
+      </p:grpSpPr>
+      <p:sp>
+        <p:nvSpPr>
+          <p:cNvPr id="5" name="Titel 4"/>
+          <p:cNvSpPr>
+            <a:spLocks noGrp="1"/>
+          </p:cNvSpPr>
+          <p:nvPr>
+            <p:ph type="title"/>
+          </p:nvPr>
+        </p:nvSpPr>
+        <p:spPr/>
+        <p:txBody>
+          <a:bodyPr/>
+          <a:lstStyle/>
+          <a:p>
+            <a:r>
+              <a:rPr lang="en-US" dirty="0" smtClean="0"/>
+              <a:t>Sample Queries</a:t>
+            </a:r>
+            <a:endParaRPr lang="en-US" dirty="0"/>
+          </a:p>
+        </p:txBody>
+      </p:sp>
+      <p:sp>
+        <p:nvSpPr>
+          <p:cNvPr id="6" name="Inhaltsplatzhalter 5"/>
+          <p:cNvSpPr>
+            <a:spLocks noGrp="1"/>
+          </p:cNvSpPr>
+          <p:nvPr>
+            <p:ph sz="quarter" idx="22"/>
+          </p:nvPr>
+        </p:nvSpPr>
+        <p:spPr/>
+        <p:txBody>
+          <a:bodyPr/>
+          <a:lstStyle/>
+          <a:p>
+            <a:r>
+              <a:rPr lang="en-US" i="1" dirty="0" smtClean="0"/>
+              <a:t>-- Simple query</a:t>
+            </a:r>
+          </a:p>
+          <a:p>
+            <a:r>
+              <a:rPr lang="en-US" dirty="0" smtClean="0"/>
+              <a:t>SELECT * FROM </a:t>
+            </a:r>
+            <a:r>
+              <a:rPr lang="en-US" dirty="0" err="1" smtClean="0"/>
+              <a:t>SampleCollection</a:t>
+            </a:r>
+            <a:endParaRPr lang="en-US" dirty="0" smtClean="0"/>
+          </a:p>
+          <a:p>
+            <a:endParaRPr lang="en-US" dirty="0" smtClean="0"/>
+          </a:p>
+          <a:p>
+            <a:r>
+              <a:rPr lang="en-US" i="1" dirty="0" smtClean="0"/>
+              <a:t>-- Simple query with filter</a:t>
+            </a:r>
+            <a:endParaRPr lang="en-US" i="1" dirty="0"/>
+          </a:p>
+          <a:p>
+            <a:r>
+              <a:rPr lang="en-US" dirty="0"/>
+              <a:t>SELECT * FROM </a:t>
+            </a:r>
+            <a:r>
+              <a:rPr lang="en-US" dirty="0" err="1"/>
+              <a:t>SampleCollection</a:t>
+            </a:r>
+            <a:r>
+              <a:rPr lang="en-US" dirty="0"/>
+              <a:t> s</a:t>
+            </a:r>
+          </a:p>
+          <a:p>
+            <a:r>
+              <a:rPr lang="en-US" dirty="0"/>
+              <a:t>WHERE </a:t>
+            </a:r>
+            <a:r>
+              <a:rPr lang="en-US" dirty="0" err="1"/>
+              <a:t>s.LastName</a:t>
+            </a:r>
+            <a:r>
+              <a:rPr lang="en-US" dirty="0"/>
+              <a:t> = </a:t>
+            </a:r>
+            <a:r>
+              <a:rPr lang="en-US" dirty="0" smtClean="0"/>
+              <a:t>'Andersen‘</a:t>
+            </a:r>
+          </a:p>
+          <a:p>
+            <a:endParaRPr lang="en-US" dirty="0" smtClean="0"/>
+          </a:p>
+          <a:p>
+            <a:r>
+              <a:rPr lang="en-US" i="1" dirty="0" smtClean="0"/>
+              <a:t>-- Filter on property of sub-document</a:t>
+            </a:r>
+            <a:endParaRPr lang="en-US" i="1" dirty="0"/>
+          </a:p>
+          <a:p>
+            <a:r>
+              <a:rPr lang="en-US" dirty="0"/>
+              <a:t>SELECT * FROM </a:t>
+            </a:r>
+            <a:r>
+              <a:rPr lang="en-US" dirty="0" err="1"/>
+              <a:t>SampleCollection</a:t>
+            </a:r>
+            <a:r>
+              <a:rPr lang="en-US" dirty="0"/>
+              <a:t> s</a:t>
+            </a:r>
+          </a:p>
+          <a:p>
+            <a:r>
+              <a:rPr lang="en-US" dirty="0"/>
+              <a:t>WHERE </a:t>
+            </a:r>
+            <a:r>
+              <a:rPr lang="en-US" dirty="0" err="1"/>
+              <a:t>s.LastName</a:t>
+            </a:r>
+            <a:r>
+              <a:rPr lang="en-US" dirty="0"/>
+              <a:t> = 'Andersen' AND </a:t>
+            </a:r>
+            <a:r>
+              <a:rPr lang="en-US" dirty="0" err="1"/>
+              <a:t>s.Address.State</a:t>
+            </a:r>
+            <a:r>
+              <a:rPr lang="en-US" dirty="0"/>
+              <a:t> = </a:t>
+            </a:r>
+            <a:r>
+              <a:rPr lang="en-US" dirty="0" smtClean="0"/>
+              <a:t>'WA‘</a:t>
+            </a:r>
+          </a:p>
+          <a:p>
+            <a:endParaRPr lang="en-US" dirty="0"/>
+          </a:p>
+          <a:p>
+            <a:r>
+              <a:rPr lang="en-US" i="1" dirty="0" smtClean="0"/>
+              <a:t>-- Select sub-document</a:t>
+            </a:r>
+          </a:p>
+          <a:p>
+            <a:r>
+              <a:rPr lang="en-US" dirty="0"/>
+              <a:t>SELECT </a:t>
+            </a:r>
+            <a:r>
+              <a:rPr lang="en-US" dirty="0" err="1"/>
+              <a:t>s.Children</a:t>
+            </a:r>
+            <a:r>
+              <a:rPr lang="en-US" dirty="0"/>
+              <a:t> FROM </a:t>
+            </a:r>
+            <a:r>
+              <a:rPr lang="en-US" dirty="0" err="1"/>
+              <a:t>SampleCollection</a:t>
+            </a:r>
+            <a:r>
+              <a:rPr lang="en-US" dirty="0"/>
+              <a:t> s</a:t>
+            </a:r>
+          </a:p>
+          <a:p>
+            <a:endParaRPr lang="en-US" dirty="0" smtClean="0"/>
+          </a:p>
+          <a:p>
+            <a:r>
+              <a:rPr lang="en-US" i="1" dirty="0" smtClean="0"/>
+              <a:t>-- Joining sub-documents, projection</a:t>
+            </a:r>
+          </a:p>
+          <a:p>
+            <a:r>
+              <a:rPr lang="en-US" dirty="0"/>
+              <a:t>SELECT s.id, </a:t>
+            </a:r>
+            <a:r>
+              <a:rPr lang="en-US" dirty="0" err="1"/>
+              <a:t>s.LastName</a:t>
+            </a:r>
+            <a:r>
+              <a:rPr lang="en-US" dirty="0"/>
+              <a:t>, </a:t>
+            </a:r>
+            <a:r>
+              <a:rPr lang="en-US" dirty="0" err="1"/>
+              <a:t>c.FirstName</a:t>
+            </a:r>
+            <a:r>
+              <a:rPr lang="en-US" dirty="0"/>
+              <a:t>, </a:t>
+            </a:r>
+            <a:r>
+              <a:rPr lang="en-US" dirty="0" err="1"/>
+              <a:t>p.GivenName</a:t>
+            </a:r>
+            <a:r>
+              <a:rPr lang="en-US" dirty="0"/>
+              <a:t> </a:t>
+            </a:r>
+          </a:p>
+          <a:p>
+            <a:r>
+              <a:rPr lang="en-US" dirty="0"/>
+              <a:t>	FROM </a:t>
+            </a:r>
+            <a:r>
+              <a:rPr lang="en-US" dirty="0" err="1"/>
+              <a:t>SampleCollection</a:t>
+            </a:r>
+            <a:r>
+              <a:rPr lang="en-US" dirty="0"/>
+              <a:t> s</a:t>
+            </a:r>
+          </a:p>
+          <a:p>
+            <a:r>
+              <a:rPr lang="en-US" dirty="0"/>
+              <a:t>	JOIN c IN </a:t>
+            </a:r>
+            <a:r>
+              <a:rPr lang="en-US" dirty="0" err="1"/>
+              <a:t>s.Children</a:t>
+            </a:r>
+            <a:r>
+              <a:rPr lang="en-US" dirty="0"/>
+              <a:t> JOIN p IN </a:t>
+            </a:r>
+            <a:r>
+              <a:rPr lang="en-US" dirty="0" err="1" smtClean="0"/>
+              <a:t>c.Pets</a:t>
+            </a:r>
+            <a:endParaRPr lang="en-US" dirty="0" smtClean="0"/>
+          </a:p>
+          <a:p>
+            <a:endParaRPr lang="en-US" dirty="0" smtClean="0"/>
+          </a:p>
+          <a:p>
+            <a:r>
+              <a:rPr lang="en-US" i="1" dirty="0" smtClean="0"/>
+              <a:t>-- JSON expression in projection</a:t>
+            </a:r>
+            <a:endParaRPr lang="en-US" i="1" dirty="0"/>
+          </a:p>
+          <a:p>
+            <a:r>
+              <a:rPr lang="en-US" dirty="0"/>
+              <a:t>SELECT { "state": </a:t>
+            </a:r>
+            <a:r>
+              <a:rPr lang="en-US" dirty="0" err="1"/>
+              <a:t>f.Address.State</a:t>
+            </a:r>
+            <a:r>
+              <a:rPr lang="en-US" dirty="0"/>
+              <a:t>, "city": </a:t>
+            </a:r>
+            <a:r>
+              <a:rPr lang="en-US" dirty="0" err="1"/>
+              <a:t>f.Address.City</a:t>
+            </a:r>
+            <a:r>
+              <a:rPr lang="en-US" dirty="0" smtClean="0"/>
+              <a:t>,</a:t>
+            </a:r>
+          </a:p>
+          <a:p>
+            <a:r>
+              <a:rPr lang="en-US" dirty="0"/>
+              <a:t>	</a:t>
+            </a:r>
+            <a:r>
+              <a:rPr lang="en-US" dirty="0" smtClean="0"/>
+              <a:t>"</a:t>
+            </a:r>
+            <a:r>
+              <a:rPr lang="en-US" dirty="0"/>
+              <a:t>name": </a:t>
+            </a:r>
+            <a:r>
+              <a:rPr lang="en-US" dirty="0" err="1"/>
+              <a:t>f.LastName</a:t>
+            </a:r>
+            <a:r>
+              <a:rPr lang="en-US" dirty="0"/>
+              <a:t> }</a:t>
+            </a:r>
+          </a:p>
+          <a:p>
+            <a:r>
+              <a:rPr lang="en-US" dirty="0"/>
+              <a:t>FROM Families f </a:t>
+            </a:r>
+          </a:p>
+          <a:p>
+            <a:endParaRPr lang="en-US" dirty="0"/>
+          </a:p>
+        </p:txBody>
+      </p:sp>
+      <p:sp>
+        <p:nvSpPr>
+          <p:cNvPr id="7" name="Textplatzhalter 6"/>
+          <p:cNvSpPr>
+            <a:spLocks noGrp="1"/>
+          </p:cNvSpPr>
+          <p:nvPr>
+            <p:ph type="body" sz="quarter" idx="23"/>
+          </p:nvPr>
+        </p:nvSpPr>
+        <p:spPr/>
+        <p:txBody>
+          <a:bodyPr/>
+          <a:lstStyle/>
+          <a:p>
+            <a:endParaRPr lang="en-US"/>
+          </a:p>
+        </p:txBody>
+      </p:sp>
+      <p:sp>
+        <p:nvSpPr>
+          <p:cNvPr id="8" name="Textplatzhalter 7"/>
+          <p:cNvSpPr>
+            <a:spLocks noGrp="1"/>
+          </p:cNvSpPr>
+          <p:nvPr>
+            <p:ph type="body" sz="quarter" idx="24"/>
+          </p:nvPr>
+        </p:nvSpPr>
+        <p:spPr/>
+        <p:txBody>
+          <a:bodyPr/>
+          <a:lstStyle/>
+          <a:p>
+            <a:endParaRPr lang="en-US"/>
+          </a:p>
+        </p:txBody>
+      </p:sp>
+      <p:sp>
+        <p:nvSpPr>
+          <p:cNvPr id="9" name="Textplatzhalter 8"/>
+          <p:cNvSpPr>
+            <a:spLocks noGrp="1"/>
+          </p:cNvSpPr>
+          <p:nvPr>
+            <p:ph type="body" sz="quarter" idx="25"/>
+          </p:nvPr>
+        </p:nvSpPr>
+        <p:spPr/>
+        <p:txBody>
+          <a:bodyPr/>
+          <a:lstStyle/>
+          <a:p>
+            <a:endParaRPr lang="en-US"/>
+          </a:p>
+        </p:txBody>
+      </p:sp>
+    </p:spTree>
+    <p:extLst>
+      <p:ext uri="{BB962C8B-B14F-4D97-AF65-F5344CB8AC3E}">
+        <p14:creationId xmlns:p14="http://schemas.microsoft.com/office/powerpoint/2010/main" val="1596256695"/>
+      </p:ext>
+    </p:extLst>
+  </p:cSld>
+  <p:clrMapOvr>
+    <a:masterClrMapping/>
+  </p:clrMapOvr>
+  <p:transition spd="slow">
+    <p:push/>
+  </p:transition>
+  <p:timing>
+    <p:tnLst>
+      <p:par>
+        <p:cTn id="1" dur="indefinite" restart="never" nodeType="tmRoot"/>
+      </p:par>
+    </p:tnLst>
+  </p:timing>
+</p:sld>
+</file>
+
+<file path=ppt/slides/slide11.xml><?xml version="1.0" encoding="utf-8"?>
 <p:sld xmlns:a="http://schemas.openxmlformats.org/drawingml/2006/main" xmlns:r="http://schemas.openxmlformats.org/officeDocument/2006/relationships" xmlns:p="http://schemas.openxmlformats.org/presentationml/2006/main">
   <p:cSld>
     <p:spTree>
@@ -12320,7 +12716,7 @@
 </p:sld>
 </file>
 
-<file path=ppt/slides/slide11.xml><?xml version="1.0" encoding="utf-8"?>
+<file path=ppt/slides/slide12.xml><?xml version="1.0" encoding="utf-8"?>
 <p:sld xmlns:a="http://schemas.openxmlformats.org/drawingml/2006/main" xmlns:r="http://schemas.openxmlformats.org/officeDocument/2006/relationships" xmlns:p="http://schemas.openxmlformats.org/presentationml/2006/main">
   <p:cSld>
     <p:spTree>
@@ -12601,7 +12997,7 @@
 </p:sld>
 </file>
 
-<file path=ppt/slides/slide12.xml><?xml version="1.0" encoding="utf-8"?>
+<file path=ppt/slides/slide13.xml><?xml version="1.0" encoding="utf-8"?>
 <p:sld xmlns:a="http://schemas.openxmlformats.org/drawingml/2006/main" xmlns:r="http://schemas.openxmlformats.org/officeDocument/2006/relationships" xmlns:p="http://schemas.openxmlformats.org/presentationml/2006/main">
   <p:cSld>
     <p:spTree>
@@ -12641,7 +13037,7 @@
 </p:sld>
 </file>
 
-<file path=ppt/slides/slide13.xml><?xml version="1.0" encoding="utf-8"?>
+<file path=ppt/slides/slide14.xml><?xml version="1.0" encoding="utf-8"?>
 <p:sld xmlns:a="http://schemas.openxmlformats.org/drawingml/2006/main" xmlns:r="http://schemas.openxmlformats.org/officeDocument/2006/relationships" xmlns:p="http://schemas.openxmlformats.org/presentationml/2006/main">
   <p:cSld>
     <p:spTree>
@@ -12682,7 +13078,7 @@
 </file>
 
 <file path=ppt/slides/slide2.xml><?xml version="1.0" encoding="utf-8"?>
-<p:sld xmlns:a="http://schemas.openxmlformats.org/drawingml/2006/main" xmlns:r="http://schemas.openxmlformats.org/officeDocument/2006/relationships" xmlns:p="http://schemas.openxmlformats.org/presentationml/2006/main">
+<p:sld xmlns:a="http://schemas.openxmlformats.org/drawingml/2006/main" xmlns:r="http://schemas.openxmlformats.org/officeDocument/2006/relationships" xmlns:p="http://schemas.openxmlformats.org/presentationml/2006/main" showMasterPhAnim="0">
   <p:cSld>
     <p:spTree>
       <p:nvGrpSpPr>
@@ -13237,9 +13633,860 @@
   <p:timing>
     <p:tnLst>
       <p:par>
-        <p:cTn id="1" dur="indefinite" restart="never" nodeType="tmRoot"/>
+        <p:cTn id="1" dur="indefinite" restart="never" nodeType="tmRoot">
+          <p:childTnLst>
+            <p:seq concurrent="1" nextAc="seek">
+              <p:cTn id="2" dur="indefinite" nodeType="mainSeq">
+                <p:childTnLst>
+                  <p:par>
+                    <p:cTn id="3" fill="hold">
+                      <p:stCondLst>
+                        <p:cond delay="indefinite"/>
+                      </p:stCondLst>
+                      <p:childTnLst>
+                        <p:par>
+                          <p:cTn id="4" fill="hold">
+                            <p:stCondLst>
+                              <p:cond delay="0"/>
+                            </p:stCondLst>
+                            <p:childTnLst>
+                              <p:par>
+                                <p:cTn id="5" presetID="10" presetClass="entr" presetSubtype="0" fill="hold" grpId="0" nodeType="clickEffect">
+                                  <p:stCondLst>
+                                    <p:cond delay="0"/>
+                                  </p:stCondLst>
+                                  <p:childTnLst>
+                                    <p:set>
+                                      <p:cBhvr>
+                                        <p:cTn id="6" dur="1" fill="hold">
+                                          <p:stCondLst>
+                                            <p:cond delay="0"/>
+                                          </p:stCondLst>
+                                        </p:cTn>
+                                        <p:tgtEl>
+                                          <p:spTgt spid="9">
+                                            <p:txEl>
+                                              <p:pRg st="0" end="0"/>
+                                            </p:txEl>
+                                          </p:spTgt>
+                                        </p:tgtEl>
+                                        <p:attrNameLst>
+                                          <p:attrName>style.visibility</p:attrName>
+                                        </p:attrNameLst>
+                                      </p:cBhvr>
+                                      <p:to>
+                                        <p:strVal val="visible"/>
+                                      </p:to>
+                                    </p:set>
+                                    <p:animEffect transition="in" filter="fade">
+                                      <p:cBhvr>
+                                        <p:cTn id="7" dur="500"/>
+                                        <p:tgtEl>
+                                          <p:spTgt spid="9">
+                                            <p:txEl>
+                                              <p:pRg st="0" end="0"/>
+                                            </p:txEl>
+                                          </p:spTgt>
+                                        </p:tgtEl>
+                                      </p:cBhvr>
+                                    </p:animEffect>
+                                  </p:childTnLst>
+                                </p:cTn>
+                              </p:par>
+                              <p:par>
+                                <p:cTn id="8" presetID="10" presetClass="entr" presetSubtype="0" fill="hold" nodeType="withEffect">
+                                  <p:stCondLst>
+                                    <p:cond delay="0"/>
+                                  </p:stCondLst>
+                                  <p:childTnLst>
+                                    <p:set>
+                                      <p:cBhvr>
+                                        <p:cTn id="9" dur="1" fill="hold">
+                                          <p:stCondLst>
+                                            <p:cond delay="0"/>
+                                          </p:stCondLst>
+                                        </p:cTn>
+                                        <p:tgtEl>
+                                          <p:spTgt spid="23"/>
+                                        </p:tgtEl>
+                                        <p:attrNameLst>
+                                          <p:attrName>style.visibility</p:attrName>
+                                        </p:attrNameLst>
+                                      </p:cBhvr>
+                                      <p:to>
+                                        <p:strVal val="visible"/>
+                                      </p:to>
+                                    </p:set>
+                                    <p:animEffect transition="in" filter="fade">
+                                      <p:cBhvr>
+                                        <p:cTn id="10" dur="500"/>
+                                        <p:tgtEl>
+                                          <p:spTgt spid="23"/>
+                                        </p:tgtEl>
+                                      </p:cBhvr>
+                                    </p:animEffect>
+                                  </p:childTnLst>
+                                </p:cTn>
+                              </p:par>
+                              <p:par>
+                                <p:cTn id="11" presetID="10" presetClass="entr" presetSubtype="0" fill="hold" grpId="0" nodeType="withEffect">
+                                  <p:stCondLst>
+                                    <p:cond delay="0"/>
+                                  </p:stCondLst>
+                                  <p:childTnLst>
+                                    <p:set>
+                                      <p:cBhvr>
+                                        <p:cTn id="12" dur="1" fill="hold">
+                                          <p:stCondLst>
+                                            <p:cond delay="0"/>
+                                          </p:stCondLst>
+                                        </p:cTn>
+                                        <p:tgtEl>
+                                          <p:spTgt spid="18"/>
+                                        </p:tgtEl>
+                                        <p:attrNameLst>
+                                          <p:attrName>style.visibility</p:attrName>
+                                        </p:attrNameLst>
+                                      </p:cBhvr>
+                                      <p:to>
+                                        <p:strVal val="visible"/>
+                                      </p:to>
+                                    </p:set>
+                                    <p:animEffect transition="in" filter="fade">
+                                      <p:cBhvr>
+                                        <p:cTn id="13" dur="500"/>
+                                        <p:tgtEl>
+                                          <p:spTgt spid="18"/>
+                                        </p:tgtEl>
+                                      </p:cBhvr>
+                                    </p:animEffect>
+                                  </p:childTnLst>
+                                </p:cTn>
+                              </p:par>
+                              <p:par>
+                                <p:cTn id="14" presetID="10" presetClass="entr" presetSubtype="0" fill="hold" grpId="0" nodeType="withEffect">
+                                  <p:stCondLst>
+                                    <p:cond delay="0"/>
+                                  </p:stCondLst>
+                                  <p:childTnLst>
+                                    <p:set>
+                                      <p:cBhvr>
+                                        <p:cTn id="15" dur="1" fill="hold">
+                                          <p:stCondLst>
+                                            <p:cond delay="0"/>
+                                          </p:stCondLst>
+                                        </p:cTn>
+                                        <p:tgtEl>
+                                          <p:spTgt spid="9">
+                                            <p:txEl>
+                                              <p:pRg st="1" end="1"/>
+                                            </p:txEl>
+                                          </p:spTgt>
+                                        </p:tgtEl>
+                                        <p:attrNameLst>
+                                          <p:attrName>style.visibility</p:attrName>
+                                        </p:attrNameLst>
+                                      </p:cBhvr>
+                                      <p:to>
+                                        <p:strVal val="visible"/>
+                                      </p:to>
+                                    </p:set>
+                                    <p:animEffect transition="in" filter="fade">
+                                      <p:cBhvr>
+                                        <p:cTn id="16" dur="500"/>
+                                        <p:tgtEl>
+                                          <p:spTgt spid="9">
+                                            <p:txEl>
+                                              <p:pRg st="1" end="1"/>
+                                            </p:txEl>
+                                          </p:spTgt>
+                                        </p:tgtEl>
+                                      </p:cBhvr>
+                                    </p:animEffect>
+                                  </p:childTnLst>
+                                </p:cTn>
+                              </p:par>
+                              <p:par>
+                                <p:cTn id="17" presetID="10" presetClass="entr" presetSubtype="0" fill="hold" grpId="0" nodeType="withEffect">
+                                  <p:stCondLst>
+                                    <p:cond delay="0"/>
+                                  </p:stCondLst>
+                                  <p:childTnLst>
+                                    <p:set>
+                                      <p:cBhvr>
+                                        <p:cTn id="18" dur="1" fill="hold">
+                                          <p:stCondLst>
+                                            <p:cond delay="0"/>
+                                          </p:stCondLst>
+                                        </p:cTn>
+                                        <p:tgtEl>
+                                          <p:spTgt spid="9">
+                                            <p:txEl>
+                                              <p:pRg st="2" end="2"/>
+                                            </p:txEl>
+                                          </p:spTgt>
+                                        </p:tgtEl>
+                                        <p:attrNameLst>
+                                          <p:attrName>style.visibility</p:attrName>
+                                        </p:attrNameLst>
+                                      </p:cBhvr>
+                                      <p:to>
+                                        <p:strVal val="visible"/>
+                                      </p:to>
+                                    </p:set>
+                                    <p:animEffect transition="in" filter="fade">
+                                      <p:cBhvr>
+                                        <p:cTn id="19" dur="500"/>
+                                        <p:tgtEl>
+                                          <p:spTgt spid="9">
+                                            <p:txEl>
+                                              <p:pRg st="2" end="2"/>
+                                            </p:txEl>
+                                          </p:spTgt>
+                                        </p:tgtEl>
+                                      </p:cBhvr>
+                                    </p:animEffect>
+                                  </p:childTnLst>
+                                </p:cTn>
+                              </p:par>
+                            </p:childTnLst>
+                          </p:cTn>
+                        </p:par>
+                      </p:childTnLst>
+                    </p:cTn>
+                  </p:par>
+                  <p:par>
+                    <p:cTn id="20" fill="hold">
+                      <p:stCondLst>
+                        <p:cond delay="indefinite"/>
+                      </p:stCondLst>
+                      <p:childTnLst>
+                        <p:par>
+                          <p:cTn id="21" fill="hold">
+                            <p:stCondLst>
+                              <p:cond delay="0"/>
+                            </p:stCondLst>
+                            <p:childTnLst>
+                              <p:par>
+                                <p:cTn id="22" presetID="10" presetClass="entr" presetSubtype="0" fill="hold" grpId="0" nodeType="clickEffect">
+                                  <p:stCondLst>
+                                    <p:cond delay="0"/>
+                                  </p:stCondLst>
+                                  <p:childTnLst>
+                                    <p:set>
+                                      <p:cBhvr>
+                                        <p:cTn id="23" dur="1" fill="hold">
+                                          <p:stCondLst>
+                                            <p:cond delay="0"/>
+                                          </p:stCondLst>
+                                        </p:cTn>
+                                        <p:tgtEl>
+                                          <p:spTgt spid="9">
+                                            <p:txEl>
+                                              <p:pRg st="3" end="3"/>
+                                            </p:txEl>
+                                          </p:spTgt>
+                                        </p:tgtEl>
+                                        <p:attrNameLst>
+                                          <p:attrName>style.visibility</p:attrName>
+                                        </p:attrNameLst>
+                                      </p:cBhvr>
+                                      <p:to>
+                                        <p:strVal val="visible"/>
+                                      </p:to>
+                                    </p:set>
+                                    <p:animEffect transition="in" filter="fade">
+                                      <p:cBhvr>
+                                        <p:cTn id="24" dur="500"/>
+                                        <p:tgtEl>
+                                          <p:spTgt spid="9">
+                                            <p:txEl>
+                                              <p:pRg st="3" end="3"/>
+                                            </p:txEl>
+                                          </p:spTgt>
+                                        </p:tgtEl>
+                                      </p:cBhvr>
+                                    </p:animEffect>
+                                  </p:childTnLst>
+                                </p:cTn>
+                              </p:par>
+                              <p:par>
+                                <p:cTn id="25" presetID="10" presetClass="entr" presetSubtype="0" fill="hold" grpId="0" nodeType="withEffect">
+                                  <p:stCondLst>
+                                    <p:cond delay="0"/>
+                                  </p:stCondLst>
+                                  <p:childTnLst>
+                                    <p:set>
+                                      <p:cBhvr>
+                                        <p:cTn id="26" dur="1" fill="hold">
+                                          <p:stCondLst>
+                                            <p:cond delay="0"/>
+                                          </p:stCondLst>
+                                        </p:cTn>
+                                        <p:tgtEl>
+                                          <p:spTgt spid="9">
+                                            <p:txEl>
+                                              <p:pRg st="4" end="4"/>
+                                            </p:txEl>
+                                          </p:spTgt>
+                                        </p:tgtEl>
+                                        <p:attrNameLst>
+                                          <p:attrName>style.visibility</p:attrName>
+                                        </p:attrNameLst>
+                                      </p:cBhvr>
+                                      <p:to>
+                                        <p:strVal val="visible"/>
+                                      </p:to>
+                                    </p:set>
+                                    <p:animEffect transition="in" filter="fade">
+                                      <p:cBhvr>
+                                        <p:cTn id="27" dur="500"/>
+                                        <p:tgtEl>
+                                          <p:spTgt spid="9">
+                                            <p:txEl>
+                                              <p:pRg st="4" end="4"/>
+                                            </p:txEl>
+                                          </p:spTgt>
+                                        </p:tgtEl>
+                                      </p:cBhvr>
+                                    </p:animEffect>
+                                  </p:childTnLst>
+                                </p:cTn>
+                              </p:par>
+                              <p:par>
+                                <p:cTn id="28" presetID="10" presetClass="entr" presetSubtype="0" fill="hold" nodeType="withEffect">
+                                  <p:stCondLst>
+                                    <p:cond delay="0"/>
+                                  </p:stCondLst>
+                                  <p:childTnLst>
+                                    <p:set>
+                                      <p:cBhvr>
+                                        <p:cTn id="29" dur="1" fill="hold">
+                                          <p:stCondLst>
+                                            <p:cond delay="0"/>
+                                          </p:stCondLst>
+                                        </p:cTn>
+                                        <p:tgtEl>
+                                          <p:spTgt spid="14"/>
+                                        </p:tgtEl>
+                                        <p:attrNameLst>
+                                          <p:attrName>style.visibility</p:attrName>
+                                        </p:attrNameLst>
+                                      </p:cBhvr>
+                                      <p:to>
+                                        <p:strVal val="visible"/>
+                                      </p:to>
+                                    </p:set>
+                                    <p:animEffect transition="in" filter="fade">
+                                      <p:cBhvr>
+                                        <p:cTn id="30" dur="500"/>
+                                        <p:tgtEl>
+                                          <p:spTgt spid="14"/>
+                                        </p:tgtEl>
+                                      </p:cBhvr>
+                                    </p:animEffect>
+                                  </p:childTnLst>
+                                </p:cTn>
+                              </p:par>
+                              <p:par>
+                                <p:cTn id="31" presetID="10" presetClass="entr" presetSubtype="0" fill="hold" grpId="0" nodeType="withEffect">
+                                  <p:stCondLst>
+                                    <p:cond delay="0"/>
+                                  </p:stCondLst>
+                                  <p:childTnLst>
+                                    <p:set>
+                                      <p:cBhvr>
+                                        <p:cTn id="32" dur="1" fill="hold">
+                                          <p:stCondLst>
+                                            <p:cond delay="0"/>
+                                          </p:stCondLst>
+                                        </p:cTn>
+                                        <p:tgtEl>
+                                          <p:spTgt spid="19"/>
+                                        </p:tgtEl>
+                                        <p:attrNameLst>
+                                          <p:attrName>style.visibility</p:attrName>
+                                        </p:attrNameLst>
+                                      </p:cBhvr>
+                                      <p:to>
+                                        <p:strVal val="visible"/>
+                                      </p:to>
+                                    </p:set>
+                                    <p:animEffect transition="in" filter="fade">
+                                      <p:cBhvr>
+                                        <p:cTn id="33" dur="500"/>
+                                        <p:tgtEl>
+                                          <p:spTgt spid="19"/>
+                                        </p:tgtEl>
+                                      </p:cBhvr>
+                                    </p:animEffect>
+                                  </p:childTnLst>
+                                </p:cTn>
+                              </p:par>
+                              <p:par>
+                                <p:cTn id="34" presetID="10" presetClass="entr" presetSubtype="0" fill="hold" nodeType="withEffect">
+                                  <p:stCondLst>
+                                    <p:cond delay="0"/>
+                                  </p:stCondLst>
+                                  <p:childTnLst>
+                                    <p:set>
+                                      <p:cBhvr>
+                                        <p:cTn id="35" dur="1" fill="hold">
+                                          <p:stCondLst>
+                                            <p:cond delay="0"/>
+                                          </p:stCondLst>
+                                        </p:cTn>
+                                        <p:tgtEl>
+                                          <p:spTgt spid="16"/>
+                                        </p:tgtEl>
+                                        <p:attrNameLst>
+                                          <p:attrName>style.visibility</p:attrName>
+                                        </p:attrNameLst>
+                                      </p:cBhvr>
+                                      <p:to>
+                                        <p:strVal val="visible"/>
+                                      </p:to>
+                                    </p:set>
+                                    <p:animEffect transition="in" filter="fade">
+                                      <p:cBhvr>
+                                        <p:cTn id="36" dur="500"/>
+                                        <p:tgtEl>
+                                          <p:spTgt spid="16"/>
+                                        </p:tgtEl>
+                                      </p:cBhvr>
+                                    </p:animEffect>
+                                  </p:childTnLst>
+                                </p:cTn>
+                              </p:par>
+                              <p:par>
+                                <p:cTn id="37" presetID="10" presetClass="entr" presetSubtype="0" fill="hold" grpId="0" nodeType="withEffect">
+                                  <p:stCondLst>
+                                    <p:cond delay="0"/>
+                                  </p:stCondLst>
+                                  <p:childTnLst>
+                                    <p:set>
+                                      <p:cBhvr>
+                                        <p:cTn id="38" dur="1" fill="hold">
+                                          <p:stCondLst>
+                                            <p:cond delay="0"/>
+                                          </p:stCondLst>
+                                        </p:cTn>
+                                        <p:tgtEl>
+                                          <p:spTgt spid="20"/>
+                                        </p:tgtEl>
+                                        <p:attrNameLst>
+                                          <p:attrName>style.visibility</p:attrName>
+                                        </p:attrNameLst>
+                                      </p:cBhvr>
+                                      <p:to>
+                                        <p:strVal val="visible"/>
+                                      </p:to>
+                                    </p:set>
+                                    <p:animEffect transition="in" filter="fade">
+                                      <p:cBhvr>
+                                        <p:cTn id="39" dur="500"/>
+                                        <p:tgtEl>
+                                          <p:spTgt spid="20"/>
+                                        </p:tgtEl>
+                                      </p:cBhvr>
+                                    </p:animEffect>
+                                  </p:childTnLst>
+                                </p:cTn>
+                              </p:par>
+                              <p:par>
+                                <p:cTn id="40" presetID="10" presetClass="entr" presetSubtype="0" fill="hold" nodeType="withEffect">
+                                  <p:stCondLst>
+                                    <p:cond delay="0"/>
+                                  </p:stCondLst>
+                                  <p:childTnLst>
+                                    <p:set>
+                                      <p:cBhvr>
+                                        <p:cTn id="41" dur="1" fill="hold">
+                                          <p:stCondLst>
+                                            <p:cond delay="0"/>
+                                          </p:stCondLst>
+                                        </p:cTn>
+                                        <p:tgtEl>
+                                          <p:spTgt spid="15"/>
+                                        </p:tgtEl>
+                                        <p:attrNameLst>
+                                          <p:attrName>style.visibility</p:attrName>
+                                        </p:attrNameLst>
+                                      </p:cBhvr>
+                                      <p:to>
+                                        <p:strVal val="visible"/>
+                                      </p:to>
+                                    </p:set>
+                                    <p:animEffect transition="in" filter="fade">
+                                      <p:cBhvr>
+                                        <p:cTn id="42" dur="500"/>
+                                        <p:tgtEl>
+                                          <p:spTgt spid="15"/>
+                                        </p:tgtEl>
+                                      </p:cBhvr>
+                                    </p:animEffect>
+                                  </p:childTnLst>
+                                </p:cTn>
+                              </p:par>
+                              <p:par>
+                                <p:cTn id="43" presetID="10" presetClass="entr" presetSubtype="0" fill="hold" grpId="0" nodeType="withEffect">
+                                  <p:stCondLst>
+                                    <p:cond delay="0"/>
+                                  </p:stCondLst>
+                                  <p:childTnLst>
+                                    <p:set>
+                                      <p:cBhvr>
+                                        <p:cTn id="44" dur="1" fill="hold">
+                                          <p:stCondLst>
+                                            <p:cond delay="0"/>
+                                          </p:stCondLst>
+                                        </p:cTn>
+                                        <p:tgtEl>
+                                          <p:spTgt spid="21"/>
+                                        </p:tgtEl>
+                                        <p:attrNameLst>
+                                          <p:attrName>style.visibility</p:attrName>
+                                        </p:attrNameLst>
+                                      </p:cBhvr>
+                                      <p:to>
+                                        <p:strVal val="visible"/>
+                                      </p:to>
+                                    </p:set>
+                                    <p:animEffect transition="in" filter="fade">
+                                      <p:cBhvr>
+                                        <p:cTn id="45" dur="500"/>
+                                        <p:tgtEl>
+                                          <p:spTgt spid="21"/>
+                                        </p:tgtEl>
+                                      </p:cBhvr>
+                                    </p:animEffect>
+                                  </p:childTnLst>
+                                </p:cTn>
+                              </p:par>
+                              <p:par>
+                                <p:cTn id="46" presetID="10" presetClass="entr" presetSubtype="0" fill="hold" grpId="0" nodeType="withEffect">
+                                  <p:stCondLst>
+                                    <p:cond delay="0"/>
+                                  </p:stCondLst>
+                                  <p:childTnLst>
+                                    <p:set>
+                                      <p:cBhvr>
+                                        <p:cTn id="47" dur="1" fill="hold">
+                                          <p:stCondLst>
+                                            <p:cond delay="0"/>
+                                          </p:stCondLst>
+                                        </p:cTn>
+                                        <p:tgtEl>
+                                          <p:spTgt spid="30"/>
+                                        </p:tgtEl>
+                                        <p:attrNameLst>
+                                          <p:attrName>style.visibility</p:attrName>
+                                        </p:attrNameLst>
+                                      </p:cBhvr>
+                                      <p:to>
+                                        <p:strVal val="visible"/>
+                                      </p:to>
+                                    </p:set>
+                                    <p:animEffect transition="in" filter="fade">
+                                      <p:cBhvr>
+                                        <p:cTn id="48" dur="500"/>
+                                        <p:tgtEl>
+                                          <p:spTgt spid="30"/>
+                                        </p:tgtEl>
+                                      </p:cBhvr>
+                                    </p:animEffect>
+                                  </p:childTnLst>
+                                </p:cTn>
+                              </p:par>
+                              <p:par>
+                                <p:cTn id="49" presetID="10" presetClass="entr" presetSubtype="0" fill="hold" grpId="0" nodeType="withEffect">
+                                  <p:stCondLst>
+                                    <p:cond delay="0"/>
+                                  </p:stCondLst>
+                                  <p:childTnLst>
+                                    <p:set>
+                                      <p:cBhvr>
+                                        <p:cTn id="50" dur="1" fill="hold">
+                                          <p:stCondLst>
+                                            <p:cond delay="0"/>
+                                          </p:stCondLst>
+                                        </p:cTn>
+                                        <p:tgtEl>
+                                          <p:spTgt spid="31"/>
+                                        </p:tgtEl>
+                                        <p:attrNameLst>
+                                          <p:attrName>style.visibility</p:attrName>
+                                        </p:attrNameLst>
+                                      </p:cBhvr>
+                                      <p:to>
+                                        <p:strVal val="visible"/>
+                                      </p:to>
+                                    </p:set>
+                                    <p:animEffect transition="in" filter="fade">
+                                      <p:cBhvr>
+                                        <p:cTn id="51" dur="500"/>
+                                        <p:tgtEl>
+                                          <p:spTgt spid="31"/>
+                                        </p:tgtEl>
+                                      </p:cBhvr>
+                                    </p:animEffect>
+                                  </p:childTnLst>
+                                </p:cTn>
+                              </p:par>
+                            </p:childTnLst>
+                          </p:cTn>
+                        </p:par>
+                      </p:childTnLst>
+                    </p:cTn>
+                  </p:par>
+                  <p:par>
+                    <p:cTn id="52" fill="hold">
+                      <p:stCondLst>
+                        <p:cond delay="indefinite"/>
+                      </p:stCondLst>
+                      <p:childTnLst>
+                        <p:par>
+                          <p:cTn id="53" fill="hold">
+                            <p:stCondLst>
+                              <p:cond delay="0"/>
+                            </p:stCondLst>
+                            <p:childTnLst>
+                              <p:par>
+                                <p:cTn id="54" presetID="10" presetClass="entr" presetSubtype="0" fill="hold" grpId="0" nodeType="clickEffect">
+                                  <p:stCondLst>
+                                    <p:cond delay="0"/>
+                                  </p:stCondLst>
+                                  <p:childTnLst>
+                                    <p:set>
+                                      <p:cBhvr>
+                                        <p:cTn id="55" dur="1" fill="hold">
+                                          <p:stCondLst>
+                                            <p:cond delay="0"/>
+                                          </p:stCondLst>
+                                        </p:cTn>
+                                        <p:tgtEl>
+                                          <p:spTgt spid="9">
+                                            <p:txEl>
+                                              <p:pRg st="5" end="5"/>
+                                            </p:txEl>
+                                          </p:spTgt>
+                                        </p:tgtEl>
+                                        <p:attrNameLst>
+                                          <p:attrName>style.visibility</p:attrName>
+                                        </p:attrNameLst>
+                                      </p:cBhvr>
+                                      <p:to>
+                                        <p:strVal val="visible"/>
+                                      </p:to>
+                                    </p:set>
+                                    <p:animEffect transition="in" filter="fade">
+                                      <p:cBhvr>
+                                        <p:cTn id="56" dur="500"/>
+                                        <p:tgtEl>
+                                          <p:spTgt spid="9">
+                                            <p:txEl>
+                                              <p:pRg st="5" end="5"/>
+                                            </p:txEl>
+                                          </p:spTgt>
+                                        </p:tgtEl>
+                                      </p:cBhvr>
+                                    </p:animEffect>
+                                  </p:childTnLst>
+                                </p:cTn>
+                              </p:par>
+                              <p:par>
+                                <p:cTn id="57" presetID="10" presetClass="entr" presetSubtype="0" fill="hold" grpId="0" nodeType="withEffect">
+                                  <p:stCondLst>
+                                    <p:cond delay="0"/>
+                                  </p:stCondLst>
+                                  <p:childTnLst>
+                                    <p:set>
+                                      <p:cBhvr>
+                                        <p:cTn id="58" dur="1" fill="hold">
+                                          <p:stCondLst>
+                                            <p:cond delay="0"/>
+                                          </p:stCondLst>
+                                        </p:cTn>
+                                        <p:tgtEl>
+                                          <p:spTgt spid="9">
+                                            <p:txEl>
+                                              <p:pRg st="6" end="6"/>
+                                            </p:txEl>
+                                          </p:spTgt>
+                                        </p:tgtEl>
+                                        <p:attrNameLst>
+                                          <p:attrName>style.visibility</p:attrName>
+                                        </p:attrNameLst>
+                                      </p:cBhvr>
+                                      <p:to>
+                                        <p:strVal val="visible"/>
+                                      </p:to>
+                                    </p:set>
+                                    <p:animEffect transition="in" filter="fade">
+                                      <p:cBhvr>
+                                        <p:cTn id="59" dur="500"/>
+                                        <p:tgtEl>
+                                          <p:spTgt spid="9">
+                                            <p:txEl>
+                                              <p:pRg st="6" end="6"/>
+                                            </p:txEl>
+                                          </p:spTgt>
+                                        </p:tgtEl>
+                                      </p:cBhvr>
+                                    </p:animEffect>
+                                  </p:childTnLst>
+                                </p:cTn>
+                              </p:par>
+                              <p:par>
+                                <p:cTn id="60" presetID="10" presetClass="entr" presetSubtype="0" fill="hold" grpId="0" nodeType="withEffect">
+                                  <p:stCondLst>
+                                    <p:cond delay="0"/>
+                                  </p:stCondLst>
+                                  <p:childTnLst>
+                                    <p:set>
+                                      <p:cBhvr>
+                                        <p:cTn id="61" dur="1" fill="hold">
+                                          <p:stCondLst>
+                                            <p:cond delay="0"/>
+                                          </p:stCondLst>
+                                        </p:cTn>
+                                        <p:tgtEl>
+                                          <p:spTgt spid="9">
+                                            <p:txEl>
+                                              <p:pRg st="7" end="7"/>
+                                            </p:txEl>
+                                          </p:spTgt>
+                                        </p:tgtEl>
+                                        <p:attrNameLst>
+                                          <p:attrName>style.visibility</p:attrName>
+                                        </p:attrNameLst>
+                                      </p:cBhvr>
+                                      <p:to>
+                                        <p:strVal val="visible"/>
+                                      </p:to>
+                                    </p:set>
+                                    <p:animEffect transition="in" filter="fade">
+                                      <p:cBhvr>
+                                        <p:cTn id="62" dur="500"/>
+                                        <p:tgtEl>
+                                          <p:spTgt spid="9">
+                                            <p:txEl>
+                                              <p:pRg st="7" end="7"/>
+                                            </p:txEl>
+                                          </p:spTgt>
+                                        </p:tgtEl>
+                                      </p:cBhvr>
+                                    </p:animEffect>
+                                  </p:childTnLst>
+                                </p:cTn>
+                              </p:par>
+                              <p:par>
+                                <p:cTn id="63" presetID="10" presetClass="entr" presetSubtype="0" fill="hold" nodeType="withEffect">
+                                  <p:stCondLst>
+                                    <p:cond delay="0"/>
+                                  </p:stCondLst>
+                                  <p:childTnLst>
+                                    <p:set>
+                                      <p:cBhvr>
+                                        <p:cTn id="64" dur="1" fill="hold">
+                                          <p:stCondLst>
+                                            <p:cond delay="0"/>
+                                          </p:stCondLst>
+                                        </p:cTn>
+                                        <p:tgtEl>
+                                          <p:spTgt spid="11"/>
+                                        </p:tgtEl>
+                                        <p:attrNameLst>
+                                          <p:attrName>style.visibility</p:attrName>
+                                        </p:attrNameLst>
+                                      </p:cBhvr>
+                                      <p:to>
+                                        <p:strVal val="visible"/>
+                                      </p:to>
+                                    </p:set>
+                                    <p:animEffect transition="in" filter="fade">
+                                      <p:cBhvr>
+                                        <p:cTn id="65" dur="500"/>
+                                        <p:tgtEl>
+                                          <p:spTgt spid="11"/>
+                                        </p:tgtEl>
+                                      </p:cBhvr>
+                                    </p:animEffect>
+                                  </p:childTnLst>
+                                </p:cTn>
+                              </p:par>
+                              <p:par>
+                                <p:cTn id="66" presetID="10" presetClass="entr" presetSubtype="0" fill="hold" grpId="0" nodeType="withEffect">
+                                  <p:stCondLst>
+                                    <p:cond delay="0"/>
+                                  </p:stCondLst>
+                                  <p:childTnLst>
+                                    <p:set>
+                                      <p:cBhvr>
+                                        <p:cTn id="67" dur="1" fill="hold">
+                                          <p:stCondLst>
+                                            <p:cond delay="0"/>
+                                          </p:stCondLst>
+                                        </p:cTn>
+                                        <p:tgtEl>
+                                          <p:spTgt spid="22"/>
+                                        </p:tgtEl>
+                                        <p:attrNameLst>
+                                          <p:attrName>style.visibility</p:attrName>
+                                        </p:attrNameLst>
+                                      </p:cBhvr>
+                                      <p:to>
+                                        <p:strVal val="visible"/>
+                                      </p:to>
+                                    </p:set>
+                                    <p:animEffect transition="in" filter="fade">
+                                      <p:cBhvr>
+                                        <p:cTn id="68" dur="500"/>
+                                        <p:tgtEl>
+                                          <p:spTgt spid="22"/>
+                                        </p:tgtEl>
+                                      </p:cBhvr>
+                                    </p:animEffect>
+                                  </p:childTnLst>
+                                </p:cTn>
+                              </p:par>
+                            </p:childTnLst>
+                          </p:cTn>
+                        </p:par>
+                      </p:childTnLst>
+                    </p:cTn>
+                  </p:par>
+                </p:childTnLst>
+              </p:cTn>
+              <p:prevCondLst>
+                <p:cond evt="onPrev" delay="0">
+                  <p:tgtEl>
+                    <p:sldTgt/>
+                  </p:tgtEl>
+                </p:cond>
+              </p:prevCondLst>
+              <p:nextCondLst>
+                <p:cond evt="onNext" delay="0">
+                  <p:tgtEl>
+                    <p:sldTgt/>
+                  </p:tgtEl>
+                </p:cond>
+              </p:nextCondLst>
+            </p:seq>
+          </p:childTnLst>
+        </p:cTn>
       </p:par>
     </p:tnLst>
+    <p:bldLst>
+      <p:bldP spid="9" grpId="0" uiExpand="1" build="p"/>
+      <p:bldP spid="18" grpId="0"/>
+      <p:bldP spid="19" grpId="0"/>
+      <p:bldP spid="20" grpId="0"/>
+      <p:bldP spid="21" grpId="0"/>
+      <p:bldP spid="22" grpId="0"/>
+      <p:bldP spid="30" grpId="0" animBg="1"/>
+      <p:bldP spid="31" grpId="0"/>
+    </p:bldLst>
   </p:timing>
 </p:sld>
 </file>
@@ -13413,7 +14660,7 @@
 </file>
 
 <file path=ppt/slides/slide4.xml><?xml version="1.0" encoding="utf-8"?>
-<p:sld xmlns:a="http://schemas.openxmlformats.org/drawingml/2006/main" xmlns:r="http://schemas.openxmlformats.org/officeDocument/2006/relationships" xmlns:p="http://schemas.openxmlformats.org/presentationml/2006/main">
+<p:sld xmlns:a="http://schemas.openxmlformats.org/drawingml/2006/main" xmlns:r="http://schemas.openxmlformats.org/officeDocument/2006/relationships" xmlns:p="http://schemas.openxmlformats.org/presentationml/2006/main" showMasterPhAnim="0">
   <p:cSld>
     <p:spTree>
       <p:nvGrpSpPr>
@@ -13771,9 +15018,721 @@
   <p:timing>
     <p:tnLst>
       <p:par>
-        <p:cTn id="1" dur="indefinite" restart="never" nodeType="tmRoot"/>
+        <p:cTn id="1" dur="indefinite" restart="never" nodeType="tmRoot">
+          <p:childTnLst>
+            <p:seq concurrent="1" nextAc="seek">
+              <p:cTn id="2" dur="indefinite" nodeType="mainSeq">
+                <p:childTnLst>
+                  <p:par>
+                    <p:cTn id="3" fill="hold">
+                      <p:stCondLst>
+                        <p:cond delay="indefinite"/>
+                      </p:stCondLst>
+                      <p:childTnLst>
+                        <p:par>
+                          <p:cTn id="4" fill="hold">
+                            <p:stCondLst>
+                              <p:cond delay="0"/>
+                            </p:stCondLst>
+                            <p:childTnLst>
+                              <p:par>
+                                <p:cTn id="5" presetID="10" presetClass="entr" presetSubtype="0" fill="hold" grpId="0" nodeType="clickEffect">
+                                  <p:stCondLst>
+                                    <p:cond delay="0"/>
+                                  </p:stCondLst>
+                                  <p:childTnLst>
+                                    <p:set>
+                                      <p:cBhvr>
+                                        <p:cTn id="6" dur="1" fill="hold">
+                                          <p:stCondLst>
+                                            <p:cond delay="0"/>
+                                          </p:stCondLst>
+                                        </p:cTn>
+                                        <p:tgtEl>
+                                          <p:spTgt spid="13">
+                                            <p:txEl>
+                                              <p:pRg st="0" end="0"/>
+                                            </p:txEl>
+                                          </p:spTgt>
+                                        </p:tgtEl>
+                                        <p:attrNameLst>
+                                          <p:attrName>style.visibility</p:attrName>
+                                        </p:attrNameLst>
+                                      </p:cBhvr>
+                                      <p:to>
+                                        <p:strVal val="visible"/>
+                                      </p:to>
+                                    </p:set>
+                                    <p:animEffect transition="in" filter="fade">
+                                      <p:cBhvr>
+                                        <p:cTn id="7" dur="500"/>
+                                        <p:tgtEl>
+                                          <p:spTgt spid="13">
+                                            <p:txEl>
+                                              <p:pRg st="0" end="0"/>
+                                            </p:txEl>
+                                          </p:spTgt>
+                                        </p:tgtEl>
+                                      </p:cBhvr>
+                                    </p:animEffect>
+                                  </p:childTnLst>
+                                </p:cTn>
+                              </p:par>
+                              <p:par>
+                                <p:cTn id="8" presetID="10" presetClass="entr" presetSubtype="0" fill="hold" grpId="0" nodeType="withEffect">
+                                  <p:stCondLst>
+                                    <p:cond delay="0"/>
+                                  </p:stCondLst>
+                                  <p:childTnLst>
+                                    <p:set>
+                                      <p:cBhvr>
+                                        <p:cTn id="9" dur="1" fill="hold">
+                                          <p:stCondLst>
+                                            <p:cond delay="0"/>
+                                          </p:stCondLst>
+                                        </p:cTn>
+                                        <p:tgtEl>
+                                          <p:spTgt spid="13">
+                                            <p:txEl>
+                                              <p:pRg st="1" end="1"/>
+                                            </p:txEl>
+                                          </p:spTgt>
+                                        </p:tgtEl>
+                                        <p:attrNameLst>
+                                          <p:attrName>style.visibility</p:attrName>
+                                        </p:attrNameLst>
+                                      </p:cBhvr>
+                                      <p:to>
+                                        <p:strVal val="visible"/>
+                                      </p:to>
+                                    </p:set>
+                                    <p:animEffect transition="in" filter="fade">
+                                      <p:cBhvr>
+                                        <p:cTn id="10" dur="500"/>
+                                        <p:tgtEl>
+                                          <p:spTgt spid="13">
+                                            <p:txEl>
+                                              <p:pRg st="1" end="1"/>
+                                            </p:txEl>
+                                          </p:spTgt>
+                                        </p:tgtEl>
+                                      </p:cBhvr>
+                                    </p:animEffect>
+                                  </p:childTnLst>
+                                </p:cTn>
+                              </p:par>
+                              <p:par>
+                                <p:cTn id="11" presetID="10" presetClass="entr" presetSubtype="0" fill="hold" grpId="0" nodeType="withEffect">
+                                  <p:stCondLst>
+                                    <p:cond delay="0"/>
+                                  </p:stCondLst>
+                                  <p:childTnLst>
+                                    <p:set>
+                                      <p:cBhvr>
+                                        <p:cTn id="12" dur="1" fill="hold">
+                                          <p:stCondLst>
+                                            <p:cond delay="0"/>
+                                          </p:stCondLst>
+                                        </p:cTn>
+                                        <p:tgtEl>
+                                          <p:spTgt spid="13">
+                                            <p:txEl>
+                                              <p:pRg st="2" end="2"/>
+                                            </p:txEl>
+                                          </p:spTgt>
+                                        </p:tgtEl>
+                                        <p:attrNameLst>
+                                          <p:attrName>style.visibility</p:attrName>
+                                        </p:attrNameLst>
+                                      </p:cBhvr>
+                                      <p:to>
+                                        <p:strVal val="visible"/>
+                                      </p:to>
+                                    </p:set>
+                                    <p:animEffect transition="in" filter="fade">
+                                      <p:cBhvr>
+                                        <p:cTn id="13" dur="500"/>
+                                        <p:tgtEl>
+                                          <p:spTgt spid="13">
+                                            <p:txEl>
+                                              <p:pRg st="2" end="2"/>
+                                            </p:txEl>
+                                          </p:spTgt>
+                                        </p:tgtEl>
+                                      </p:cBhvr>
+                                    </p:animEffect>
+                                  </p:childTnLst>
+                                </p:cTn>
+                              </p:par>
+                              <p:par>
+                                <p:cTn id="14" presetID="10" presetClass="entr" presetSubtype="0" fill="hold" nodeType="withEffect">
+                                  <p:stCondLst>
+                                    <p:cond delay="0"/>
+                                  </p:stCondLst>
+                                  <p:childTnLst>
+                                    <p:set>
+                                      <p:cBhvr>
+                                        <p:cTn id="15" dur="1" fill="hold">
+                                          <p:stCondLst>
+                                            <p:cond delay="0"/>
+                                          </p:stCondLst>
+                                        </p:cTn>
+                                        <p:tgtEl>
+                                          <p:spTgt spid="16"/>
+                                        </p:tgtEl>
+                                        <p:attrNameLst>
+                                          <p:attrName>style.visibility</p:attrName>
+                                        </p:attrNameLst>
+                                      </p:cBhvr>
+                                      <p:to>
+                                        <p:strVal val="visible"/>
+                                      </p:to>
+                                    </p:set>
+                                    <p:animEffect transition="in" filter="fade">
+                                      <p:cBhvr>
+                                        <p:cTn id="16" dur="500"/>
+                                        <p:tgtEl>
+                                          <p:spTgt spid="16"/>
+                                        </p:tgtEl>
+                                      </p:cBhvr>
+                                    </p:animEffect>
+                                  </p:childTnLst>
+                                </p:cTn>
+                              </p:par>
+                            </p:childTnLst>
+                          </p:cTn>
+                        </p:par>
+                      </p:childTnLst>
+                    </p:cTn>
+                  </p:par>
+                  <p:par>
+                    <p:cTn id="17" fill="hold">
+                      <p:stCondLst>
+                        <p:cond delay="indefinite"/>
+                      </p:stCondLst>
+                      <p:childTnLst>
+                        <p:par>
+                          <p:cTn id="18" fill="hold">
+                            <p:stCondLst>
+                              <p:cond delay="0"/>
+                            </p:stCondLst>
+                            <p:childTnLst>
+                              <p:par>
+                                <p:cTn id="19" presetID="10" presetClass="entr" presetSubtype="0" fill="hold" grpId="0" nodeType="clickEffect">
+                                  <p:stCondLst>
+                                    <p:cond delay="0"/>
+                                  </p:stCondLst>
+                                  <p:childTnLst>
+                                    <p:set>
+                                      <p:cBhvr>
+                                        <p:cTn id="20" dur="1" fill="hold">
+                                          <p:stCondLst>
+                                            <p:cond delay="0"/>
+                                          </p:stCondLst>
+                                        </p:cTn>
+                                        <p:tgtEl>
+                                          <p:spTgt spid="13">
+                                            <p:txEl>
+                                              <p:pRg st="3" end="3"/>
+                                            </p:txEl>
+                                          </p:spTgt>
+                                        </p:tgtEl>
+                                        <p:attrNameLst>
+                                          <p:attrName>style.visibility</p:attrName>
+                                        </p:attrNameLst>
+                                      </p:cBhvr>
+                                      <p:to>
+                                        <p:strVal val="visible"/>
+                                      </p:to>
+                                    </p:set>
+                                    <p:animEffect transition="in" filter="fade">
+                                      <p:cBhvr>
+                                        <p:cTn id="21" dur="500"/>
+                                        <p:tgtEl>
+                                          <p:spTgt spid="13">
+                                            <p:txEl>
+                                              <p:pRg st="3" end="3"/>
+                                            </p:txEl>
+                                          </p:spTgt>
+                                        </p:tgtEl>
+                                      </p:cBhvr>
+                                    </p:animEffect>
+                                  </p:childTnLst>
+                                </p:cTn>
+                              </p:par>
+                              <p:par>
+                                <p:cTn id="22" presetID="10" presetClass="entr" presetSubtype="0" fill="hold" grpId="0" nodeType="withEffect">
+                                  <p:stCondLst>
+                                    <p:cond delay="0"/>
+                                  </p:stCondLst>
+                                  <p:childTnLst>
+                                    <p:set>
+                                      <p:cBhvr>
+                                        <p:cTn id="23" dur="1" fill="hold">
+                                          <p:stCondLst>
+                                            <p:cond delay="0"/>
+                                          </p:stCondLst>
+                                        </p:cTn>
+                                        <p:tgtEl>
+                                          <p:spTgt spid="13">
+                                            <p:txEl>
+                                              <p:pRg st="4" end="4"/>
+                                            </p:txEl>
+                                          </p:spTgt>
+                                        </p:tgtEl>
+                                        <p:attrNameLst>
+                                          <p:attrName>style.visibility</p:attrName>
+                                        </p:attrNameLst>
+                                      </p:cBhvr>
+                                      <p:to>
+                                        <p:strVal val="visible"/>
+                                      </p:to>
+                                    </p:set>
+                                    <p:animEffect transition="in" filter="fade">
+                                      <p:cBhvr>
+                                        <p:cTn id="24" dur="500"/>
+                                        <p:tgtEl>
+                                          <p:spTgt spid="13">
+                                            <p:txEl>
+                                              <p:pRg st="4" end="4"/>
+                                            </p:txEl>
+                                          </p:spTgt>
+                                        </p:tgtEl>
+                                      </p:cBhvr>
+                                    </p:animEffect>
+                                  </p:childTnLst>
+                                </p:cTn>
+                              </p:par>
+                              <p:par>
+                                <p:cTn id="25" presetID="10" presetClass="entr" presetSubtype="0" fill="hold" grpId="0" nodeType="withEffect">
+                                  <p:stCondLst>
+                                    <p:cond delay="0"/>
+                                  </p:stCondLst>
+                                  <p:childTnLst>
+                                    <p:set>
+                                      <p:cBhvr>
+                                        <p:cTn id="26" dur="1" fill="hold">
+                                          <p:stCondLst>
+                                            <p:cond delay="0"/>
+                                          </p:stCondLst>
+                                        </p:cTn>
+                                        <p:tgtEl>
+                                          <p:spTgt spid="13">
+                                            <p:txEl>
+                                              <p:pRg st="5" end="5"/>
+                                            </p:txEl>
+                                          </p:spTgt>
+                                        </p:tgtEl>
+                                        <p:attrNameLst>
+                                          <p:attrName>style.visibility</p:attrName>
+                                        </p:attrNameLst>
+                                      </p:cBhvr>
+                                      <p:to>
+                                        <p:strVal val="visible"/>
+                                      </p:to>
+                                    </p:set>
+                                    <p:animEffect transition="in" filter="fade">
+                                      <p:cBhvr>
+                                        <p:cTn id="27" dur="500"/>
+                                        <p:tgtEl>
+                                          <p:spTgt spid="13">
+                                            <p:txEl>
+                                              <p:pRg st="5" end="5"/>
+                                            </p:txEl>
+                                          </p:spTgt>
+                                        </p:tgtEl>
+                                      </p:cBhvr>
+                                    </p:animEffect>
+                                  </p:childTnLst>
+                                </p:cTn>
+                              </p:par>
+                              <p:par>
+                                <p:cTn id="28" presetID="10" presetClass="entr" presetSubtype="0" fill="hold" nodeType="withEffect">
+                                  <p:stCondLst>
+                                    <p:cond delay="0"/>
+                                  </p:stCondLst>
+                                  <p:childTnLst>
+                                    <p:set>
+                                      <p:cBhvr>
+                                        <p:cTn id="29" dur="1" fill="hold">
+                                          <p:stCondLst>
+                                            <p:cond delay="0"/>
+                                          </p:stCondLst>
+                                        </p:cTn>
+                                        <p:tgtEl>
+                                          <p:spTgt spid="17"/>
+                                        </p:tgtEl>
+                                        <p:attrNameLst>
+                                          <p:attrName>style.visibility</p:attrName>
+                                        </p:attrNameLst>
+                                      </p:cBhvr>
+                                      <p:to>
+                                        <p:strVal val="visible"/>
+                                      </p:to>
+                                    </p:set>
+                                    <p:animEffect transition="in" filter="fade">
+                                      <p:cBhvr>
+                                        <p:cTn id="30" dur="500"/>
+                                        <p:tgtEl>
+                                          <p:spTgt spid="17"/>
+                                        </p:tgtEl>
+                                      </p:cBhvr>
+                                    </p:animEffect>
+                                  </p:childTnLst>
+                                </p:cTn>
+                              </p:par>
+                              <p:par>
+                                <p:cTn id="31" presetID="10" presetClass="entr" presetSubtype="0" fill="hold" grpId="0" nodeType="withEffect">
+                                  <p:stCondLst>
+                                    <p:cond delay="0"/>
+                                  </p:stCondLst>
+                                  <p:childTnLst>
+                                    <p:set>
+                                      <p:cBhvr>
+                                        <p:cTn id="32" dur="1" fill="hold">
+                                          <p:stCondLst>
+                                            <p:cond delay="0"/>
+                                          </p:stCondLst>
+                                        </p:cTn>
+                                        <p:tgtEl>
+                                          <p:spTgt spid="18"/>
+                                        </p:tgtEl>
+                                        <p:attrNameLst>
+                                          <p:attrName>style.visibility</p:attrName>
+                                        </p:attrNameLst>
+                                      </p:cBhvr>
+                                      <p:to>
+                                        <p:strVal val="visible"/>
+                                      </p:to>
+                                    </p:set>
+                                    <p:animEffect transition="in" filter="fade">
+                                      <p:cBhvr>
+                                        <p:cTn id="33" dur="500"/>
+                                        <p:tgtEl>
+                                          <p:spTgt spid="18"/>
+                                        </p:tgtEl>
+                                      </p:cBhvr>
+                                    </p:animEffect>
+                                  </p:childTnLst>
+                                </p:cTn>
+                              </p:par>
+                              <p:par>
+                                <p:cTn id="34" presetID="10" presetClass="entr" presetSubtype="0" fill="hold" nodeType="withEffect">
+                                  <p:stCondLst>
+                                    <p:cond delay="0"/>
+                                  </p:stCondLst>
+                                  <p:childTnLst>
+                                    <p:set>
+                                      <p:cBhvr>
+                                        <p:cTn id="35" dur="1" fill="hold">
+                                          <p:stCondLst>
+                                            <p:cond delay="0"/>
+                                          </p:stCondLst>
+                                        </p:cTn>
+                                        <p:tgtEl>
+                                          <p:spTgt spid="15"/>
+                                        </p:tgtEl>
+                                        <p:attrNameLst>
+                                          <p:attrName>style.visibility</p:attrName>
+                                        </p:attrNameLst>
+                                      </p:cBhvr>
+                                      <p:to>
+                                        <p:strVal val="visible"/>
+                                      </p:to>
+                                    </p:set>
+                                    <p:animEffect transition="in" filter="fade">
+                                      <p:cBhvr>
+                                        <p:cTn id="36" dur="500"/>
+                                        <p:tgtEl>
+                                          <p:spTgt spid="15"/>
+                                        </p:tgtEl>
+                                      </p:cBhvr>
+                                    </p:animEffect>
+                                  </p:childTnLst>
+                                </p:cTn>
+                              </p:par>
+                            </p:childTnLst>
+                          </p:cTn>
+                        </p:par>
+                      </p:childTnLst>
+                    </p:cTn>
+                  </p:par>
+                  <p:par>
+                    <p:cTn id="37" fill="hold">
+                      <p:stCondLst>
+                        <p:cond delay="indefinite"/>
+                      </p:stCondLst>
+                      <p:childTnLst>
+                        <p:par>
+                          <p:cTn id="38" fill="hold">
+                            <p:stCondLst>
+                              <p:cond delay="0"/>
+                            </p:stCondLst>
+                            <p:childTnLst>
+                              <p:par>
+                                <p:cTn id="39" presetID="10" presetClass="entr" presetSubtype="0" fill="hold" grpId="0" nodeType="clickEffect">
+                                  <p:stCondLst>
+                                    <p:cond delay="0"/>
+                                  </p:stCondLst>
+                                  <p:childTnLst>
+                                    <p:set>
+                                      <p:cBhvr>
+                                        <p:cTn id="40" dur="1" fill="hold">
+                                          <p:stCondLst>
+                                            <p:cond delay="0"/>
+                                          </p:stCondLst>
+                                        </p:cTn>
+                                        <p:tgtEl>
+                                          <p:spTgt spid="13">
+                                            <p:txEl>
+                                              <p:pRg st="6" end="6"/>
+                                            </p:txEl>
+                                          </p:spTgt>
+                                        </p:tgtEl>
+                                        <p:attrNameLst>
+                                          <p:attrName>style.visibility</p:attrName>
+                                        </p:attrNameLst>
+                                      </p:cBhvr>
+                                      <p:to>
+                                        <p:strVal val="visible"/>
+                                      </p:to>
+                                    </p:set>
+                                    <p:animEffect transition="in" filter="fade">
+                                      <p:cBhvr>
+                                        <p:cTn id="41" dur="500"/>
+                                        <p:tgtEl>
+                                          <p:spTgt spid="13">
+                                            <p:txEl>
+                                              <p:pRg st="6" end="6"/>
+                                            </p:txEl>
+                                          </p:spTgt>
+                                        </p:tgtEl>
+                                      </p:cBhvr>
+                                    </p:animEffect>
+                                  </p:childTnLst>
+                                </p:cTn>
+                              </p:par>
+                              <p:par>
+                                <p:cTn id="42" presetID="10" presetClass="entr" presetSubtype="0" fill="hold" grpId="0" nodeType="withEffect">
+                                  <p:stCondLst>
+                                    <p:cond delay="0"/>
+                                  </p:stCondLst>
+                                  <p:childTnLst>
+                                    <p:set>
+                                      <p:cBhvr>
+                                        <p:cTn id="43" dur="1" fill="hold">
+                                          <p:stCondLst>
+                                            <p:cond delay="0"/>
+                                          </p:stCondLst>
+                                        </p:cTn>
+                                        <p:tgtEl>
+                                          <p:spTgt spid="13">
+                                            <p:txEl>
+                                              <p:pRg st="7" end="7"/>
+                                            </p:txEl>
+                                          </p:spTgt>
+                                        </p:tgtEl>
+                                        <p:attrNameLst>
+                                          <p:attrName>style.visibility</p:attrName>
+                                        </p:attrNameLst>
+                                      </p:cBhvr>
+                                      <p:to>
+                                        <p:strVal val="visible"/>
+                                      </p:to>
+                                    </p:set>
+                                    <p:animEffect transition="in" filter="fade">
+                                      <p:cBhvr>
+                                        <p:cTn id="44" dur="500"/>
+                                        <p:tgtEl>
+                                          <p:spTgt spid="13">
+                                            <p:txEl>
+                                              <p:pRg st="7" end="7"/>
+                                            </p:txEl>
+                                          </p:spTgt>
+                                        </p:tgtEl>
+                                      </p:cBhvr>
+                                    </p:animEffect>
+                                  </p:childTnLst>
+                                </p:cTn>
+                              </p:par>
+                            </p:childTnLst>
+                          </p:cTn>
+                        </p:par>
+                      </p:childTnLst>
+                    </p:cTn>
+                  </p:par>
+                  <p:par>
+                    <p:cTn id="45" fill="hold">
+                      <p:stCondLst>
+                        <p:cond delay="indefinite"/>
+                      </p:stCondLst>
+                      <p:childTnLst>
+                        <p:par>
+                          <p:cTn id="46" fill="hold">
+                            <p:stCondLst>
+                              <p:cond delay="0"/>
+                            </p:stCondLst>
+                            <p:childTnLst>
+                              <p:par>
+                                <p:cTn id="47" presetID="10" presetClass="entr" presetSubtype="0" fill="hold" grpId="0" nodeType="clickEffect">
+                                  <p:stCondLst>
+                                    <p:cond delay="0"/>
+                                  </p:stCondLst>
+                                  <p:childTnLst>
+                                    <p:set>
+                                      <p:cBhvr>
+                                        <p:cTn id="48" dur="1" fill="hold">
+                                          <p:stCondLst>
+                                            <p:cond delay="0"/>
+                                          </p:stCondLst>
+                                        </p:cTn>
+                                        <p:tgtEl>
+                                          <p:spTgt spid="13">
+                                            <p:txEl>
+                                              <p:pRg st="8" end="8"/>
+                                            </p:txEl>
+                                          </p:spTgt>
+                                        </p:tgtEl>
+                                        <p:attrNameLst>
+                                          <p:attrName>style.visibility</p:attrName>
+                                        </p:attrNameLst>
+                                      </p:cBhvr>
+                                      <p:to>
+                                        <p:strVal val="visible"/>
+                                      </p:to>
+                                    </p:set>
+                                    <p:animEffect transition="in" filter="fade">
+                                      <p:cBhvr>
+                                        <p:cTn id="49" dur="500"/>
+                                        <p:tgtEl>
+                                          <p:spTgt spid="13">
+                                            <p:txEl>
+                                              <p:pRg st="8" end="8"/>
+                                            </p:txEl>
+                                          </p:spTgt>
+                                        </p:tgtEl>
+                                      </p:cBhvr>
+                                    </p:animEffect>
+                                  </p:childTnLst>
+                                </p:cTn>
+                              </p:par>
+                              <p:par>
+                                <p:cTn id="50" presetID="10" presetClass="entr" presetSubtype="0" fill="hold" grpId="0" nodeType="withEffect">
+                                  <p:stCondLst>
+                                    <p:cond delay="0"/>
+                                  </p:stCondLst>
+                                  <p:childTnLst>
+                                    <p:set>
+                                      <p:cBhvr>
+                                        <p:cTn id="51" dur="1" fill="hold">
+                                          <p:stCondLst>
+                                            <p:cond delay="0"/>
+                                          </p:stCondLst>
+                                        </p:cTn>
+                                        <p:tgtEl>
+                                          <p:spTgt spid="13">
+                                            <p:txEl>
+                                              <p:pRg st="9" end="9"/>
+                                            </p:txEl>
+                                          </p:spTgt>
+                                        </p:tgtEl>
+                                        <p:attrNameLst>
+                                          <p:attrName>style.visibility</p:attrName>
+                                        </p:attrNameLst>
+                                      </p:cBhvr>
+                                      <p:to>
+                                        <p:strVal val="visible"/>
+                                      </p:to>
+                                    </p:set>
+                                    <p:animEffect transition="in" filter="fade">
+                                      <p:cBhvr>
+                                        <p:cTn id="52" dur="500"/>
+                                        <p:tgtEl>
+                                          <p:spTgt spid="13">
+                                            <p:txEl>
+                                              <p:pRg st="9" end="9"/>
+                                            </p:txEl>
+                                          </p:spTgt>
+                                        </p:tgtEl>
+                                      </p:cBhvr>
+                                    </p:animEffect>
+                                  </p:childTnLst>
+                                </p:cTn>
+                              </p:par>
+                              <p:par>
+                                <p:cTn id="53" presetID="10" presetClass="entr" presetSubtype="0" fill="hold" grpId="0" nodeType="withEffect">
+                                  <p:stCondLst>
+                                    <p:cond delay="0"/>
+                                  </p:stCondLst>
+                                  <p:childTnLst>
+                                    <p:set>
+                                      <p:cBhvr>
+                                        <p:cTn id="54" dur="1" fill="hold">
+                                          <p:stCondLst>
+                                            <p:cond delay="0"/>
+                                          </p:stCondLst>
+                                        </p:cTn>
+                                        <p:tgtEl>
+                                          <p:spTgt spid="13">
+                                            <p:txEl>
+                                              <p:pRg st="10" end="10"/>
+                                            </p:txEl>
+                                          </p:spTgt>
+                                        </p:tgtEl>
+                                        <p:attrNameLst>
+                                          <p:attrName>style.visibility</p:attrName>
+                                        </p:attrNameLst>
+                                      </p:cBhvr>
+                                      <p:to>
+                                        <p:strVal val="visible"/>
+                                      </p:to>
+                                    </p:set>
+                                    <p:animEffect transition="in" filter="fade">
+                                      <p:cBhvr>
+                                        <p:cTn id="55" dur="500"/>
+                                        <p:tgtEl>
+                                          <p:spTgt spid="13">
+                                            <p:txEl>
+                                              <p:pRg st="10" end="10"/>
+                                            </p:txEl>
+                                          </p:spTgt>
+                                        </p:tgtEl>
+                                      </p:cBhvr>
+                                    </p:animEffect>
+                                  </p:childTnLst>
+                                </p:cTn>
+                              </p:par>
+                            </p:childTnLst>
+                          </p:cTn>
+                        </p:par>
+                      </p:childTnLst>
+                    </p:cTn>
+                  </p:par>
+                </p:childTnLst>
+              </p:cTn>
+              <p:prevCondLst>
+                <p:cond evt="onPrev" delay="0">
+                  <p:tgtEl>
+                    <p:sldTgt/>
+                  </p:tgtEl>
+                </p:cond>
+              </p:prevCondLst>
+              <p:nextCondLst>
+                <p:cond evt="onNext" delay="0">
+                  <p:tgtEl>
+                    <p:sldTgt/>
+                  </p:tgtEl>
+                </p:cond>
+              </p:nextCondLst>
+            </p:seq>
+          </p:childTnLst>
+        </p:cTn>
       </p:par>
     </p:tnLst>
+    <p:bldLst>
+      <p:bldP spid="13" grpId="0" uiExpand="1" build="p"/>
+      <p:bldP spid="18" grpId="0" animBg="1"/>
+    </p:bldLst>
   </p:timing>
 </p:sld>
 </file>
@@ -14775,7 +16734,6 @@
               <a:rPr lang="en-US" sz="1200" dirty="0" smtClean="0"/>
               <a:t>Account</a:t>
             </a:r>
-            <a:endParaRPr lang="en-US" sz="1200" dirty="0" smtClean="0"/>
           </a:p>
         </p:txBody>
       </p:sp>
@@ -21305,7 +23263,7 @@
 </file>
 
 <file path=ppt/slides/slide6.xml><?xml version="1.0" encoding="utf-8"?>
-<p:sld xmlns:a="http://schemas.openxmlformats.org/drawingml/2006/main" xmlns:r="http://schemas.openxmlformats.org/officeDocument/2006/relationships" xmlns:p="http://schemas.openxmlformats.org/presentationml/2006/main">
+<p:sld xmlns:a="http://schemas.openxmlformats.org/drawingml/2006/main" xmlns:r="http://schemas.openxmlformats.org/officeDocument/2006/relationships" xmlns:p="http://schemas.openxmlformats.org/presentationml/2006/main" showMasterPhAnim="0">
   <p:cSld>
     <p:spTree>
       <p:nvGrpSpPr>
@@ -21395,13 +23353,21 @@
             <a:pPr lvl="1"/>
             <a:r>
               <a:rPr lang="en-US" dirty="0" smtClean="0"/>
-              <a:t>1 CU = 10GB SSD-backed storage, 2000 request units</a:t>
-            </a:r>
-          </a:p>
-          <a:p>
+              <a:t>1 CU = 10GB SSD-backed storage, 2000 request </a:t>
+            </a:r>
             <a:r>
               <a:rPr lang="en-US" dirty="0" smtClean="0"/>
-              <a:t>Document Explorer</a:t>
+              <a:t>units</a:t>
+            </a:r>
+          </a:p>
+          <a:p>
+            <a:r>
+              <a:rPr lang="en-US" dirty="0" smtClean="0"/>
+              <a:t>Document </a:t>
+            </a:r>
+            <a:r>
+              <a:rPr lang="en-US" dirty="0" smtClean="0"/>
+              <a:t>Explorer</a:t>
             </a:r>
             <a:endParaRPr lang="en-US" dirty="0"/>
           </a:p>
@@ -21540,6 +23506,189 @@
           <a:p>
             <a:r>
               <a:rPr lang="en-US" dirty="0" smtClean="0"/>
+              <a:t>Pricing</a:t>
+            </a:r>
+            <a:endParaRPr lang="en-US" dirty="0"/>
+          </a:p>
+        </p:txBody>
+      </p:sp>
+      <p:sp>
+        <p:nvSpPr>
+          <p:cNvPr id="7" name="Inhaltsplatzhalter 6"/>
+          <p:cNvSpPr>
+            <a:spLocks noGrp="1"/>
+          </p:cNvSpPr>
+          <p:nvPr>
+            <p:ph sz="quarter" idx="12"/>
+          </p:nvPr>
+        </p:nvSpPr>
+        <p:spPr/>
+        <p:txBody>
+          <a:bodyPr/>
+          <a:lstStyle/>
+          <a:p>
+            <a:r>
+              <a:rPr lang="en-US" dirty="0" smtClean="0"/>
+              <a:t>1 CU = ~17€/month (preview)</a:t>
+            </a:r>
+          </a:p>
+          <a:p>
+            <a:pPr lvl="1"/>
+            <a:r>
+              <a:rPr lang="en-US" dirty="0" smtClean="0"/>
+              <a:t>~34€/month later in production</a:t>
+            </a:r>
+          </a:p>
+          <a:p>
+            <a:pPr lvl="1"/>
+            <a:r>
+              <a:rPr lang="en-US" dirty="0" smtClean="0">
+                <a:sym typeface="Wingdings" panose="05000000000000000000" pitchFamily="2" charset="2"/>
+              </a:rPr>
+              <a:t> 1.7€/month/GB</a:t>
+            </a:r>
+          </a:p>
+          <a:p>
+            <a:r>
+              <a:rPr lang="en-US" dirty="0" smtClean="0"/>
+              <a:t>Alternatives</a:t>
+            </a:r>
+          </a:p>
+          <a:p>
+            <a:pPr lvl="1"/>
+            <a:r>
+              <a:rPr lang="en-US" dirty="0" smtClean="0"/>
+              <a:t>Table Storage: starts for 1</a:t>
+            </a:r>
+            <a:r>
+              <a:rPr lang="en-US" baseline="30000" dirty="0" smtClean="0"/>
+              <a:t>st</a:t>
+            </a:r>
+            <a:r>
+              <a:rPr lang="en-US" dirty="0" smtClean="0"/>
+              <a:t> TB at 0.0522€/month/GB + transaction costs</a:t>
+            </a:r>
+          </a:p>
+          <a:p>
+            <a:pPr lvl="1"/>
+            <a:r>
+              <a:rPr lang="en-US" dirty="0" smtClean="0"/>
+              <a:t>Blob Storage: start for 1</a:t>
+            </a:r>
+            <a:r>
+              <a:rPr lang="en-US" baseline="30000" dirty="0" smtClean="0"/>
+              <a:t>st</a:t>
+            </a:r>
+            <a:r>
+              <a:rPr lang="en-US" dirty="0" smtClean="0"/>
+              <a:t> TB at 0.0179€/month/GB + transaction costs</a:t>
+            </a:r>
+          </a:p>
+          <a:p>
+            <a:pPr lvl="1"/>
+            <a:r>
+              <a:rPr lang="en-US" dirty="0" smtClean="0"/>
+              <a:t>Managed SQL DB: for </a:t>
+            </a:r>
+            <a:r>
+              <a:rPr lang="en-US" dirty="0"/>
+              <a:t>Standard between </a:t>
+            </a:r>
+            <a:r>
+              <a:rPr lang="en-US" dirty="0" smtClean="0"/>
+              <a:t>0.048</a:t>
+            </a:r>
+            <a:r>
+              <a:rPr lang="en-US" dirty="0"/>
+              <a:t>€ and </a:t>
+            </a:r>
+            <a:r>
+              <a:rPr lang="en-US" dirty="0" smtClean="0"/>
+              <a:t>0.224€/</a:t>
+            </a:r>
+            <a:r>
+              <a:rPr lang="en-US" dirty="0"/>
+              <a:t>month/GB</a:t>
+            </a:r>
+          </a:p>
+        </p:txBody>
+      </p:sp>
+      <p:sp>
+        <p:nvSpPr>
+          <p:cNvPr id="8" name="Textplatzhalter 7"/>
+          <p:cNvSpPr>
+            <a:spLocks noGrp="1"/>
+          </p:cNvSpPr>
+          <p:nvPr>
+            <p:ph type="body" sz="quarter" idx="23"/>
+          </p:nvPr>
+        </p:nvSpPr>
+        <p:spPr/>
+        <p:txBody>
+          <a:bodyPr/>
+          <a:lstStyle/>
+          <a:p>
+            <a:endParaRPr lang="en-US"/>
+          </a:p>
+        </p:txBody>
+      </p:sp>
+    </p:spTree>
+    <p:extLst>
+      <p:ext uri="{BB962C8B-B14F-4D97-AF65-F5344CB8AC3E}">
+        <p14:creationId xmlns:p14="http://schemas.microsoft.com/office/powerpoint/2010/main" val="1133962581"/>
+      </p:ext>
+    </p:extLst>
+  </p:cSld>
+  <p:clrMapOvr>
+    <a:masterClrMapping/>
+  </p:clrMapOvr>
+  <p:transition spd="slow">
+    <p:push/>
+  </p:transition>
+  <p:timing>
+    <p:tnLst>
+      <p:par>
+        <p:cTn id="1" dur="indefinite" restart="never" nodeType="tmRoot"/>
+      </p:par>
+    </p:tnLst>
+  </p:timing>
+</p:sld>
+</file>
+
+<file path=ppt/slides/slide8.xml><?xml version="1.0" encoding="utf-8"?>
+<p:sld xmlns:a="http://schemas.openxmlformats.org/drawingml/2006/main" xmlns:r="http://schemas.openxmlformats.org/officeDocument/2006/relationships" xmlns:p="http://schemas.openxmlformats.org/presentationml/2006/main">
+  <p:cSld>
+    <p:spTree>
+      <p:nvGrpSpPr>
+        <p:cNvPr id="1" name=""/>
+        <p:cNvGrpSpPr/>
+        <p:nvPr/>
+      </p:nvGrpSpPr>
+      <p:grpSpPr>
+        <a:xfrm>
+          <a:off x="0" y="0"/>
+          <a:ext cx="0" cy="0"/>
+          <a:chOff x="0" y="0"/>
+          <a:chExt cx="0" cy="0"/>
+        </a:xfrm>
+      </p:grpSpPr>
+      <p:sp>
+        <p:nvSpPr>
+          <p:cNvPr id="6" name="Titel 5"/>
+          <p:cNvSpPr>
+            <a:spLocks noGrp="1"/>
+          </p:cNvSpPr>
+          <p:nvPr>
+            <p:ph type="title"/>
+          </p:nvPr>
+        </p:nvSpPr>
+        <p:spPr/>
+        <p:txBody>
+          <a:bodyPr/>
+          <a:lstStyle/>
+          <a:p>
+            <a:r>
+              <a:rPr lang="en-US" dirty="0" smtClean="0"/>
               <a:t>Programming DocumentDB</a:t>
             </a:r>
             <a:endParaRPr lang="en-US" dirty="0"/>
@@ -21685,8 +23834,8 @@
 </p:sld>
 </file>
 
-<file path=ppt/slides/slide8.xml><?xml version="1.0" encoding="utf-8"?>
-<p:sld xmlns:a="http://schemas.openxmlformats.org/drawingml/2006/main" xmlns:r="http://schemas.openxmlformats.org/officeDocument/2006/relationships" xmlns:p="http://schemas.openxmlformats.org/presentationml/2006/main">
+<file path=ppt/slides/slide9.xml><?xml version="1.0" encoding="utf-8"?>
+<p:sld xmlns:a="http://schemas.openxmlformats.org/drawingml/2006/main" xmlns:r="http://schemas.openxmlformats.org/officeDocument/2006/relationships" xmlns:p="http://schemas.openxmlformats.org/presentationml/2006/main" showMasterPhAnim="0">
   <p:cSld>
     <p:spTree>
       <p:nvGrpSpPr>
@@ -21845,417 +23994,6 @@
     <p:extLst>
       <p:ext uri="{BB962C8B-B14F-4D97-AF65-F5344CB8AC3E}">
         <p14:creationId xmlns:p14="http://schemas.microsoft.com/office/powerpoint/2010/main" val="2751278515"/>
-      </p:ext>
-    </p:extLst>
-  </p:cSld>
-  <p:clrMapOvr>
-    <a:masterClrMapping/>
-  </p:clrMapOvr>
-  <p:transition spd="slow">
-    <p:push/>
-  </p:transition>
-  <p:timing>
-    <p:tnLst>
-      <p:par>
-        <p:cTn id="1" dur="indefinite" restart="never" nodeType="tmRoot"/>
-      </p:par>
-    </p:tnLst>
-  </p:timing>
-</p:sld>
-</file>
-
-<file path=ppt/slides/slide9.xml><?xml version="1.0" encoding="utf-8"?>
-<p:sld xmlns:a="http://schemas.openxmlformats.org/drawingml/2006/main" xmlns:r="http://schemas.openxmlformats.org/officeDocument/2006/relationships" xmlns:p="http://schemas.openxmlformats.org/presentationml/2006/main" show="0">
-  <p:cSld>
-    <p:spTree>
-      <p:nvGrpSpPr>
-        <p:cNvPr id="1" name=""/>
-        <p:cNvGrpSpPr/>
-        <p:nvPr/>
-      </p:nvGrpSpPr>
-      <p:grpSpPr>
-        <a:xfrm>
-          <a:off x="0" y="0"/>
-          <a:ext cx="0" cy="0"/>
-          <a:chOff x="0" y="0"/>
-          <a:chExt cx="0" cy="0"/>
-        </a:xfrm>
-      </p:grpSpPr>
-      <p:sp>
-        <p:nvSpPr>
-          <p:cNvPr id="5" name="Titel 4"/>
-          <p:cNvSpPr>
-            <a:spLocks noGrp="1"/>
-          </p:cNvSpPr>
-          <p:nvPr>
-            <p:ph type="title"/>
-          </p:nvPr>
-        </p:nvSpPr>
-        <p:spPr/>
-        <p:txBody>
-          <a:bodyPr/>
-          <a:lstStyle/>
-          <a:p>
-            <a:r>
-              <a:rPr lang="en-US" dirty="0" smtClean="0"/>
-              <a:t>Sample Queries</a:t>
-            </a:r>
-            <a:endParaRPr lang="en-US" dirty="0"/>
-          </a:p>
-        </p:txBody>
-      </p:sp>
-      <p:sp>
-        <p:nvSpPr>
-          <p:cNvPr id="6" name="Inhaltsplatzhalter 5"/>
-          <p:cNvSpPr>
-            <a:spLocks noGrp="1"/>
-          </p:cNvSpPr>
-          <p:nvPr>
-            <p:ph sz="quarter" idx="22"/>
-          </p:nvPr>
-        </p:nvSpPr>
-        <p:spPr/>
-        <p:txBody>
-          <a:bodyPr/>
-          <a:lstStyle/>
-          <a:p>
-            <a:r>
-              <a:rPr lang="en-US" i="1" dirty="0" smtClean="0"/>
-              <a:t>-- Simple query</a:t>
-            </a:r>
-          </a:p>
-          <a:p>
-            <a:r>
-              <a:rPr lang="en-US" dirty="0" smtClean="0"/>
-              <a:t>SELECT * FROM </a:t>
-            </a:r>
-            <a:r>
-              <a:rPr lang="en-US" dirty="0" err="1" smtClean="0"/>
-              <a:t>SampleCollection</a:t>
-            </a:r>
-            <a:endParaRPr lang="en-US" dirty="0" smtClean="0"/>
-          </a:p>
-          <a:p>
-            <a:endParaRPr lang="en-US" dirty="0" smtClean="0"/>
-          </a:p>
-          <a:p>
-            <a:r>
-              <a:rPr lang="en-US" i="1" dirty="0" smtClean="0"/>
-              <a:t>-- Simple query with filter</a:t>
-            </a:r>
-            <a:endParaRPr lang="en-US" i="1" dirty="0"/>
-          </a:p>
-          <a:p>
-            <a:r>
-              <a:rPr lang="en-US" dirty="0"/>
-              <a:t>SELECT * FROM </a:t>
-            </a:r>
-            <a:r>
-              <a:rPr lang="en-US" dirty="0" err="1"/>
-              <a:t>SampleCollection</a:t>
-            </a:r>
-            <a:r>
-              <a:rPr lang="en-US" dirty="0"/>
-              <a:t> s</a:t>
-            </a:r>
-          </a:p>
-          <a:p>
-            <a:r>
-              <a:rPr lang="en-US" dirty="0"/>
-              <a:t>WHERE </a:t>
-            </a:r>
-            <a:r>
-              <a:rPr lang="en-US" dirty="0" err="1"/>
-              <a:t>s.LastName</a:t>
-            </a:r>
-            <a:r>
-              <a:rPr lang="en-US" dirty="0"/>
-              <a:t> = </a:t>
-            </a:r>
-            <a:r>
-              <a:rPr lang="en-US" dirty="0" smtClean="0"/>
-              <a:t>'Andersen‘</a:t>
-            </a:r>
-          </a:p>
-          <a:p>
-            <a:endParaRPr lang="en-US" dirty="0" smtClean="0"/>
-          </a:p>
-          <a:p>
-            <a:r>
-              <a:rPr lang="en-US" i="1" dirty="0" smtClean="0"/>
-              <a:t>-- Filter on property of sub-document</a:t>
-            </a:r>
-            <a:endParaRPr lang="en-US" i="1" dirty="0"/>
-          </a:p>
-          <a:p>
-            <a:r>
-              <a:rPr lang="en-US" dirty="0"/>
-              <a:t>SELECT * FROM </a:t>
-            </a:r>
-            <a:r>
-              <a:rPr lang="en-US" dirty="0" err="1"/>
-              <a:t>SampleCollection</a:t>
-            </a:r>
-            <a:r>
-              <a:rPr lang="en-US" dirty="0"/>
-              <a:t> s</a:t>
-            </a:r>
-          </a:p>
-          <a:p>
-            <a:r>
-              <a:rPr lang="en-US" dirty="0"/>
-              <a:t>WHERE </a:t>
-            </a:r>
-            <a:r>
-              <a:rPr lang="en-US" dirty="0" err="1"/>
-              <a:t>s.LastName</a:t>
-            </a:r>
-            <a:r>
-              <a:rPr lang="en-US" dirty="0"/>
-              <a:t> = 'Andersen' AND </a:t>
-            </a:r>
-            <a:r>
-              <a:rPr lang="en-US" dirty="0" err="1"/>
-              <a:t>s.Address.State</a:t>
-            </a:r>
-            <a:r>
-              <a:rPr lang="en-US" dirty="0"/>
-              <a:t> = </a:t>
-            </a:r>
-            <a:r>
-              <a:rPr lang="en-US" dirty="0" smtClean="0"/>
-              <a:t>'WA‘</a:t>
-            </a:r>
-          </a:p>
-          <a:p>
-            <a:endParaRPr lang="en-US" dirty="0"/>
-          </a:p>
-          <a:p>
-            <a:r>
-              <a:rPr lang="en-US" i="1" dirty="0" smtClean="0"/>
-              <a:t>-- Select sub-document</a:t>
-            </a:r>
-          </a:p>
-          <a:p>
-            <a:r>
-              <a:rPr lang="en-US" dirty="0"/>
-              <a:t>SELECT </a:t>
-            </a:r>
-            <a:r>
-              <a:rPr lang="en-US" dirty="0" err="1"/>
-              <a:t>s.Children</a:t>
-            </a:r>
-            <a:r>
-              <a:rPr lang="en-US" dirty="0"/>
-              <a:t> FROM </a:t>
-            </a:r>
-            <a:r>
-              <a:rPr lang="en-US" dirty="0" err="1"/>
-              <a:t>SampleCollection</a:t>
-            </a:r>
-            <a:r>
-              <a:rPr lang="en-US" dirty="0"/>
-              <a:t> s</a:t>
-            </a:r>
-          </a:p>
-          <a:p>
-            <a:endParaRPr lang="en-US" dirty="0" smtClean="0"/>
-          </a:p>
-          <a:p>
-            <a:r>
-              <a:rPr lang="en-US" i="1" dirty="0" smtClean="0"/>
-              <a:t>-- Joining sub-documents, projection</a:t>
-            </a:r>
-          </a:p>
-          <a:p>
-            <a:r>
-              <a:rPr lang="en-US" dirty="0"/>
-              <a:t>SELECT s.id, </a:t>
-            </a:r>
-            <a:r>
-              <a:rPr lang="en-US" dirty="0" err="1"/>
-              <a:t>s.LastName</a:t>
-            </a:r>
-            <a:r>
-              <a:rPr lang="en-US" dirty="0"/>
-              <a:t>, </a:t>
-            </a:r>
-            <a:r>
-              <a:rPr lang="en-US" dirty="0" err="1"/>
-              <a:t>c.FirstName</a:t>
-            </a:r>
-            <a:r>
-              <a:rPr lang="en-US" dirty="0"/>
-              <a:t>, </a:t>
-            </a:r>
-            <a:r>
-              <a:rPr lang="en-US" dirty="0" err="1"/>
-              <a:t>p.GivenName</a:t>
-            </a:r>
-            <a:r>
-              <a:rPr lang="en-US" dirty="0"/>
-              <a:t> </a:t>
-            </a:r>
-          </a:p>
-          <a:p>
-            <a:r>
-              <a:rPr lang="en-US" dirty="0"/>
-              <a:t>	FROM </a:t>
-            </a:r>
-            <a:r>
-              <a:rPr lang="en-US" dirty="0" err="1"/>
-              <a:t>SampleCollection</a:t>
-            </a:r>
-            <a:r>
-              <a:rPr lang="en-US" dirty="0"/>
-              <a:t> s</a:t>
-            </a:r>
-          </a:p>
-          <a:p>
-            <a:r>
-              <a:rPr lang="en-US" dirty="0"/>
-              <a:t>	JOIN c IN </a:t>
-            </a:r>
-            <a:r>
-              <a:rPr lang="en-US" dirty="0" err="1"/>
-              <a:t>s.Children</a:t>
-            </a:r>
-            <a:r>
-              <a:rPr lang="en-US" dirty="0"/>
-              <a:t> JOIN p IN </a:t>
-            </a:r>
-            <a:r>
-              <a:rPr lang="en-US" dirty="0" err="1" smtClean="0"/>
-              <a:t>c.Pets</a:t>
-            </a:r>
-            <a:endParaRPr lang="en-US" dirty="0" smtClean="0"/>
-          </a:p>
-          <a:p>
-            <a:endParaRPr lang="en-US" dirty="0" smtClean="0"/>
-          </a:p>
-          <a:p>
-            <a:r>
-              <a:rPr lang="en-US" i="1" dirty="0" smtClean="0"/>
-              <a:t>-- JSON expression in projection</a:t>
-            </a:r>
-            <a:endParaRPr lang="en-US" i="1" dirty="0"/>
-          </a:p>
-          <a:p>
-            <a:r>
-              <a:rPr lang="en-US" dirty="0"/>
-              <a:t>SELECT { "state": </a:t>
-            </a:r>
-            <a:r>
-              <a:rPr lang="en-US" dirty="0" err="1"/>
-              <a:t>f.Address.State</a:t>
-            </a:r>
-            <a:r>
-              <a:rPr lang="en-US" dirty="0"/>
-              <a:t>, "city": </a:t>
-            </a:r>
-            <a:r>
-              <a:rPr lang="en-US" dirty="0" err="1"/>
-              <a:t>f.Address.City</a:t>
-            </a:r>
-            <a:r>
-              <a:rPr lang="en-US" dirty="0" smtClean="0"/>
-              <a:t>,</a:t>
-            </a:r>
-          </a:p>
-          <a:p>
-            <a:r>
-              <a:rPr lang="en-US" dirty="0"/>
-              <a:t>	</a:t>
-            </a:r>
-            <a:r>
-              <a:rPr lang="en-US" dirty="0" smtClean="0"/>
-              <a:t>"</a:t>
-            </a:r>
-            <a:r>
-              <a:rPr lang="en-US" dirty="0"/>
-              <a:t>name": </a:t>
-            </a:r>
-            <a:r>
-              <a:rPr lang="en-US" dirty="0" err="1"/>
-              <a:t>f.LastName</a:t>
-            </a:r>
-            <a:r>
-              <a:rPr lang="en-US" dirty="0"/>
-              <a:t> }</a:t>
-            </a:r>
-          </a:p>
-          <a:p>
-            <a:r>
-              <a:rPr lang="en-US" dirty="0"/>
-              <a:t>FROM Families f </a:t>
-            </a:r>
-          </a:p>
-          <a:p>
-            <a:endParaRPr lang="en-US" dirty="0"/>
-          </a:p>
-        </p:txBody>
-      </p:sp>
-      <p:sp>
-        <p:nvSpPr>
-          <p:cNvPr id="7" name="Textplatzhalter 6"/>
-          <p:cNvSpPr>
-            <a:spLocks noGrp="1"/>
-          </p:cNvSpPr>
-          <p:nvPr>
-            <p:ph type="body" sz="quarter" idx="23"/>
-          </p:nvPr>
-        </p:nvSpPr>
-        <p:spPr/>
-        <p:txBody>
-          <a:bodyPr/>
-          <a:lstStyle/>
-          <a:p>
-            <a:endParaRPr lang="en-US"/>
-          </a:p>
-        </p:txBody>
-      </p:sp>
-      <p:sp>
-        <p:nvSpPr>
-          <p:cNvPr id="8" name="Textplatzhalter 7"/>
-          <p:cNvSpPr>
-            <a:spLocks noGrp="1"/>
-          </p:cNvSpPr>
-          <p:nvPr>
-            <p:ph type="body" sz="quarter" idx="24"/>
-          </p:nvPr>
-        </p:nvSpPr>
-        <p:spPr/>
-        <p:txBody>
-          <a:bodyPr/>
-          <a:lstStyle/>
-          <a:p>
-            <a:endParaRPr lang="en-US"/>
-          </a:p>
-        </p:txBody>
-      </p:sp>
-      <p:sp>
-        <p:nvSpPr>
-          <p:cNvPr id="9" name="Textplatzhalter 8"/>
-          <p:cNvSpPr>
-            <a:spLocks noGrp="1"/>
-          </p:cNvSpPr>
-          <p:nvPr>
-            <p:ph type="body" sz="quarter" idx="25"/>
-          </p:nvPr>
-        </p:nvSpPr>
-        <p:spPr/>
-        <p:txBody>
-          <a:bodyPr/>
-          <a:lstStyle/>
-          <a:p>
-            <a:endParaRPr lang="en-US"/>
-          </a:p>
-        </p:txBody>
-      </p:sp>
-    </p:spTree>
-    <p:extLst>
-      <p:ext uri="{BB962C8B-B14F-4D97-AF65-F5344CB8AC3E}">
-        <p14:creationId xmlns:p14="http://schemas.microsoft.com/office/powerpoint/2010/main" val="1596256695"/>
       </p:ext>
     </p:extLst>
   </p:cSld>
@@ -23072,21 +24810,6 @@
 </file>
 
 <file path=customXml/item1.xml><?xml version="1.0" encoding="utf-8"?>
-<?mso-contentType ?>
-<FormTemplates xmlns="http://schemas.microsoft.com/sharepoint/v3/contenttype/forms">
-  <Display>DocumentLibraryForm</Display>
-  <Edit>DocumentLibraryForm</Edit>
-  <New>DocumentLibraryForm</New>
-</FormTemplates>
-</file>
-
-<file path=customXml/item2.xml><?xml version="1.0" encoding="utf-8"?>
-<p:properties xmlns:p="http://schemas.microsoft.com/office/2006/metadata/properties" xmlns:xsi="http://www.w3.org/2001/XMLSchema-instance">
-  <documentManagement/>
-</p:properties>
-</file>
-
-<file path=customXml/item3.xml><?xml version="1.0" encoding="utf-8"?>
 <ct:contentTypeSchema xmlns:ct="http://schemas.microsoft.com/office/2006/metadata/contentType" xmlns:ma="http://schemas.microsoft.com/office/2006/metadata/properties/metaAttributes" ct:_="" ma:_="" ma:contentTypeName="Document" ma:contentTypeID="0x010100CFCAFE21B578B64E82621DBF219B5A18" ma:contentTypeVersion="0" ma:contentTypeDescription="Create a new document." ma:contentTypeScope="" ma:versionID="a424f2cff27d14c1fb72696fde62bdba">
   <xsd:schema xmlns:xsd="http://www.w3.org/2001/XMLSchema" xmlns:xs="http://www.w3.org/2001/XMLSchema" xmlns:p="http://schemas.microsoft.com/office/2006/metadata/properties" targetNamespace="http://schemas.microsoft.com/office/2006/metadata/properties" ma:root="true" ma:fieldsID="d15787acf22db4e4c0ac8b858fca6407">
     <xsd:element name="properties">
@@ -23200,23 +24923,22 @@
 </ct:contentTypeSchema>
 </file>
 
-<file path=customXml/itemProps1.xml><?xml version="1.0" encoding="utf-8"?>
-<ds:datastoreItem xmlns:ds="http://schemas.openxmlformats.org/officeDocument/2006/customXml" ds:itemID="{B978F6DD-25A2-48DB-A93B-386E9DA01ECA}">
-  <ds:schemaRefs>
-    <ds:schemaRef ds:uri="http://schemas.microsoft.com/sharepoint/v3/contenttype/forms"/>
-  </ds:schemaRefs>
-</ds:datastoreItem>
+<file path=customXml/item2.xml><?xml version="1.0" encoding="utf-8"?>
+<p:properties xmlns:p="http://schemas.microsoft.com/office/2006/metadata/properties" xmlns:xsi="http://www.w3.org/2001/XMLSchema-instance">
+  <documentManagement/>
+</p:properties>
 </file>
 
-<file path=customXml/itemProps2.xml><?xml version="1.0" encoding="utf-8"?>
-<ds:datastoreItem xmlns:ds="http://schemas.openxmlformats.org/officeDocument/2006/customXml" ds:itemID="{03D43D4A-F5F8-47F6-A4EC-521F433C91BF}">
-  <ds:schemaRefs>
-    <ds:schemaRef ds:uri="http://schemas.microsoft.com/office/2006/metadata/properties"/>
-  </ds:schemaRefs>
-</ds:datastoreItem>
+<file path=customXml/item3.xml><?xml version="1.0" encoding="utf-8"?>
+<?mso-contentType ?>
+<FormTemplates xmlns="http://schemas.microsoft.com/sharepoint/v3/contenttype/forms">
+  <Display>DocumentLibraryForm</Display>
+  <Edit>DocumentLibraryForm</Edit>
+  <New>DocumentLibraryForm</New>
+</FormTemplates>
 </file>
 
-<file path=customXml/itemProps3.xml><?xml version="1.0" encoding="utf-8"?>
+<file path=customXml/itemProps1.xml><?xml version="1.0" encoding="utf-8"?>
 <ds:datastoreItem xmlns:ds="http://schemas.openxmlformats.org/officeDocument/2006/customXml" ds:itemID="{A8CA9C48-0FEB-4445-A263-F6834DF4C8DE}">
   <ds:schemaRefs>
     <ds:schemaRef ds:uri="http://schemas.microsoft.com/office/2006/metadata/contentType"/>
@@ -23230,4 +24952,27 @@
     <ds:schemaRef ds:uri="http://schemas.microsoft.com/office/infopath/2007/PartnerControls"/>
   </ds:schemaRefs>
 </ds:datastoreItem>
+</file>
+
+<file path=customXml/itemProps2.xml><?xml version="1.0" encoding="utf-8"?>
+<ds:datastoreItem xmlns:ds="http://schemas.openxmlformats.org/officeDocument/2006/customXml" ds:itemID="{03D43D4A-F5F8-47F6-A4EC-521F433C91BF}">
+  <ds:schemaRefs>
+    <ds:schemaRef ds:uri="http://schemas.microsoft.com/office/infopath/2007/PartnerControls"/>
+    <ds:schemaRef ds:uri="http://purl.org/dc/elements/1.1/"/>
+    <ds:schemaRef ds:uri="http://purl.org/dc/terms/"/>
+    <ds:schemaRef ds:uri="http://schemas.microsoft.com/office/2006/documentManagement/types"/>
+    <ds:schemaRef ds:uri="http://schemas.microsoft.com/office/2006/metadata/properties"/>
+    <ds:schemaRef ds:uri="http://purl.org/dc/dcmitype/"/>
+    <ds:schemaRef ds:uri="http://www.w3.org/XML/1998/namespace"/>
+    <ds:schemaRef ds:uri="http://schemas.openxmlformats.org/package/2006/metadata/core-properties"/>
+  </ds:schemaRefs>
+</ds:datastoreItem>
+</file>
+
+<file path=customXml/itemProps3.xml><?xml version="1.0" encoding="utf-8"?>
+<ds:datastoreItem xmlns:ds="http://schemas.openxmlformats.org/officeDocument/2006/customXml" ds:itemID="{B978F6DD-25A2-48DB-A93B-386E9DA01ECA}">
+  <ds:schemaRefs>
+    <ds:schemaRef ds:uri="http://schemas.microsoft.com/sharepoint/v3/contenttype/forms"/>
+  </ds:schemaRefs>
+</ds:datastoreItem>
 </file>